--- a/battery_free_computer/The_battery_free_computer.pptx
+++ b/battery_free_computer/The_battery_free_computer.pptx
@@ -4,22 +4,24 @@
   <p:sldMasterIdLst>
     <p:sldMasterId id="2147483780" r:id="rId1"/>
   </p:sldMasterIdLst>
+  <p:notesMasterIdLst>
+    <p:notesMasterId r:id="rId16"/>
+  </p:notesMasterIdLst>
   <p:sldIdLst>
     <p:sldId id="256" r:id="rId2"/>
-    <p:sldId id="257" r:id="rId3"/>
-    <p:sldId id="258" r:id="rId4"/>
-    <p:sldId id="259" r:id="rId5"/>
-    <p:sldId id="260" r:id="rId6"/>
-    <p:sldId id="261" r:id="rId7"/>
-    <p:sldId id="264" r:id="rId8"/>
-    <p:sldId id="265" r:id="rId9"/>
-    <p:sldId id="263" r:id="rId10"/>
-    <p:sldId id="266" r:id="rId11"/>
-    <p:sldId id="267" r:id="rId12"/>
-    <p:sldId id="268" r:id="rId13"/>
-    <p:sldId id="269" r:id="rId14"/>
-    <p:sldId id="270" r:id="rId15"/>
-    <p:sldId id="262" r:id="rId16"/>
+    <p:sldId id="258" r:id="rId3"/>
+    <p:sldId id="259" r:id="rId4"/>
+    <p:sldId id="260" r:id="rId5"/>
+    <p:sldId id="261" r:id="rId6"/>
+    <p:sldId id="273" r:id="rId7"/>
+    <p:sldId id="274" r:id="rId8"/>
+    <p:sldId id="263" r:id="rId9"/>
+    <p:sldId id="266" r:id="rId10"/>
+    <p:sldId id="267" r:id="rId11"/>
+    <p:sldId id="268" r:id="rId12"/>
+    <p:sldId id="269" r:id="rId13"/>
+    <p:sldId id="270" r:id="rId14"/>
+    <p:sldId id="262" r:id="rId15"/>
   </p:sldIdLst>
   <p:sldSz cx="9144000" cy="6858000" type="screen4x3"/>
   <p:notesSz cx="6858000" cy="9144000"/>
@@ -121,6 +123,437 @@
 </p:presentation>
 </file>
 
+<file path=ppt/notesMasters/notesMaster1.xml><?xml version="1.0" encoding="utf-8"?>
+<p:notesMaster xmlns:a="http://schemas.openxmlformats.org/drawingml/2006/main" xmlns:r="http://schemas.openxmlformats.org/officeDocument/2006/relationships" xmlns:p="http://schemas.openxmlformats.org/presentationml/2006/main">
+  <p:cSld>
+    <p:bg>
+      <p:bgRef idx="1001">
+        <a:schemeClr val="bg1"/>
+      </p:bgRef>
+    </p:bg>
+    <p:spTree>
+      <p:nvGrpSpPr>
+        <p:cNvPr id="1" name=""/>
+        <p:cNvGrpSpPr/>
+        <p:nvPr/>
+      </p:nvGrpSpPr>
+      <p:grpSpPr>
+        <a:xfrm>
+          <a:off x="0" y="0"/>
+          <a:ext cx="0" cy="0"/>
+          <a:chOff x="0" y="0"/>
+          <a:chExt cx="0" cy="0"/>
+        </a:xfrm>
+      </p:grpSpPr>
+      <p:sp>
+        <p:nvSpPr>
+          <p:cNvPr id="2" name="页眉占位符 1"/>
+          <p:cNvSpPr>
+            <a:spLocks noGrp="1"/>
+          </p:cNvSpPr>
+          <p:nvPr>
+            <p:ph type="hdr" sz="quarter"/>
+          </p:nvPr>
+        </p:nvSpPr>
+        <p:spPr>
+          <a:xfrm>
+            <a:off x="0" y="0"/>
+            <a:ext cx="2971800" cy="457200"/>
+          </a:xfrm>
+          <a:prstGeom prst="rect">
+            <a:avLst/>
+          </a:prstGeom>
+        </p:spPr>
+        <p:txBody>
+          <a:bodyPr vert="horz" lIns="91440" tIns="45720" rIns="91440" bIns="45720" rtlCol="0"/>
+          <a:lstStyle>
+            <a:lvl1pPr algn="l">
+              <a:defRPr sz="1200"/>
+            </a:lvl1pPr>
+          </a:lstStyle>
+          <a:p>
+            <a:endParaRPr lang="zh-CN" altLang="en-US"/>
+          </a:p>
+        </p:txBody>
+      </p:sp>
+      <p:sp>
+        <p:nvSpPr>
+          <p:cNvPr id="3" name="日期占位符 2"/>
+          <p:cNvSpPr>
+            <a:spLocks noGrp="1"/>
+          </p:cNvSpPr>
+          <p:nvPr>
+            <p:ph type="dt" idx="1"/>
+          </p:nvPr>
+        </p:nvSpPr>
+        <p:spPr>
+          <a:xfrm>
+            <a:off x="3884613" y="0"/>
+            <a:ext cx="2971800" cy="457200"/>
+          </a:xfrm>
+          <a:prstGeom prst="rect">
+            <a:avLst/>
+          </a:prstGeom>
+        </p:spPr>
+        <p:txBody>
+          <a:bodyPr vert="horz" lIns="91440" tIns="45720" rIns="91440" bIns="45720" rtlCol="0"/>
+          <a:lstStyle>
+            <a:lvl1pPr algn="r">
+              <a:defRPr sz="1200"/>
+            </a:lvl1pPr>
+          </a:lstStyle>
+          <a:p>
+            <a:fld id="{692F83CC-13D8-4EBD-9964-DF37B240B251}" type="datetimeFigureOut">
+              <a:rPr lang="zh-CN" altLang="en-US" smtClean="0"/>
+              <a:pPr/>
+              <a:t>2018/5/6</a:t>
+            </a:fld>
+            <a:endParaRPr lang="zh-CN" altLang="en-US"/>
+          </a:p>
+        </p:txBody>
+      </p:sp>
+      <p:sp>
+        <p:nvSpPr>
+          <p:cNvPr id="4" name="幻灯片图像占位符 3"/>
+          <p:cNvSpPr>
+            <a:spLocks noGrp="1" noRot="1" noChangeAspect="1"/>
+          </p:cNvSpPr>
+          <p:nvPr>
+            <p:ph type="sldImg" idx="2"/>
+          </p:nvPr>
+        </p:nvSpPr>
+        <p:spPr>
+          <a:xfrm>
+            <a:off x="1143000" y="685800"/>
+            <a:ext cx="4572000" cy="3429000"/>
+          </a:xfrm>
+          <a:prstGeom prst="rect">
+            <a:avLst/>
+          </a:prstGeom>
+          <a:noFill/>
+          <a:ln w="12700">
+            <a:solidFill>
+              <a:prstClr val="black"/>
+            </a:solidFill>
+          </a:ln>
+        </p:spPr>
+        <p:txBody>
+          <a:bodyPr vert="horz" lIns="91440" tIns="45720" rIns="91440" bIns="45720" rtlCol="0" anchor="ctr"/>
+          <a:lstStyle/>
+          <a:p>
+            <a:endParaRPr lang="zh-CN" altLang="en-US"/>
+          </a:p>
+        </p:txBody>
+      </p:sp>
+      <p:sp>
+        <p:nvSpPr>
+          <p:cNvPr id="5" name="备注占位符 4"/>
+          <p:cNvSpPr>
+            <a:spLocks noGrp="1"/>
+          </p:cNvSpPr>
+          <p:nvPr>
+            <p:ph type="body" sz="quarter" idx="3"/>
+          </p:nvPr>
+        </p:nvSpPr>
+        <p:spPr>
+          <a:xfrm>
+            <a:off x="685800" y="4343400"/>
+            <a:ext cx="5486400" cy="4114800"/>
+          </a:xfrm>
+          <a:prstGeom prst="rect">
+            <a:avLst/>
+          </a:prstGeom>
+        </p:spPr>
+        <p:txBody>
+          <a:bodyPr vert="horz" lIns="91440" tIns="45720" rIns="91440" bIns="45720" rtlCol="0">
+            <a:normAutofit/>
+          </a:bodyPr>
+          <a:lstStyle/>
+          <a:p>
+            <a:pPr lvl="0"/>
+            <a:r>
+              <a:rPr lang="zh-CN" altLang="en-US" smtClean="0"/>
+              <a:t>单击此处编辑母版文本样式</a:t>
+            </a:r>
+          </a:p>
+          <a:p>
+            <a:pPr lvl="1"/>
+            <a:r>
+              <a:rPr lang="zh-CN" altLang="en-US" smtClean="0"/>
+              <a:t>第二级</a:t>
+            </a:r>
+          </a:p>
+          <a:p>
+            <a:pPr lvl="2"/>
+            <a:r>
+              <a:rPr lang="zh-CN" altLang="en-US" smtClean="0"/>
+              <a:t>第三级</a:t>
+            </a:r>
+          </a:p>
+          <a:p>
+            <a:pPr lvl="3"/>
+            <a:r>
+              <a:rPr lang="zh-CN" altLang="en-US" smtClean="0"/>
+              <a:t>第四级</a:t>
+            </a:r>
+          </a:p>
+          <a:p>
+            <a:pPr lvl="4"/>
+            <a:r>
+              <a:rPr lang="zh-CN" altLang="en-US" smtClean="0"/>
+              <a:t>第五级</a:t>
+            </a:r>
+            <a:endParaRPr lang="zh-CN" altLang="en-US"/>
+          </a:p>
+        </p:txBody>
+      </p:sp>
+      <p:sp>
+        <p:nvSpPr>
+          <p:cNvPr id="6" name="页脚占位符 5"/>
+          <p:cNvSpPr>
+            <a:spLocks noGrp="1"/>
+          </p:cNvSpPr>
+          <p:nvPr>
+            <p:ph type="ftr" sz="quarter" idx="4"/>
+          </p:nvPr>
+        </p:nvSpPr>
+        <p:spPr>
+          <a:xfrm>
+            <a:off x="0" y="8685213"/>
+            <a:ext cx="2971800" cy="457200"/>
+          </a:xfrm>
+          <a:prstGeom prst="rect">
+            <a:avLst/>
+          </a:prstGeom>
+        </p:spPr>
+        <p:txBody>
+          <a:bodyPr vert="horz" lIns="91440" tIns="45720" rIns="91440" bIns="45720" rtlCol="0" anchor="b"/>
+          <a:lstStyle>
+            <a:lvl1pPr algn="l">
+              <a:defRPr sz="1200"/>
+            </a:lvl1pPr>
+          </a:lstStyle>
+          <a:p>
+            <a:endParaRPr lang="zh-CN" altLang="en-US"/>
+          </a:p>
+        </p:txBody>
+      </p:sp>
+      <p:sp>
+        <p:nvSpPr>
+          <p:cNvPr id="7" name="灯片编号占位符 6"/>
+          <p:cNvSpPr>
+            <a:spLocks noGrp="1"/>
+          </p:cNvSpPr>
+          <p:nvPr>
+            <p:ph type="sldNum" sz="quarter" idx="5"/>
+          </p:nvPr>
+        </p:nvSpPr>
+        <p:spPr>
+          <a:xfrm>
+            <a:off x="3884613" y="8685213"/>
+            <a:ext cx="2971800" cy="457200"/>
+          </a:xfrm>
+          <a:prstGeom prst="rect">
+            <a:avLst/>
+          </a:prstGeom>
+        </p:spPr>
+        <p:txBody>
+          <a:bodyPr vert="horz" lIns="91440" tIns="45720" rIns="91440" bIns="45720" rtlCol="0" anchor="b"/>
+          <a:lstStyle>
+            <a:lvl1pPr algn="r">
+              <a:defRPr sz="1200"/>
+            </a:lvl1pPr>
+          </a:lstStyle>
+          <a:p>
+            <a:fld id="{A17B7334-5862-4D91-B282-A378EAF293F1}" type="slidenum">
+              <a:rPr lang="zh-CN" altLang="en-US" smtClean="0"/>
+              <a:pPr/>
+              <a:t>‹#›</a:t>
+            </a:fld>
+            <a:endParaRPr lang="zh-CN" altLang="en-US"/>
+          </a:p>
+        </p:txBody>
+      </p:sp>
+    </p:spTree>
+  </p:cSld>
+  <p:clrMap bg1="lt1" tx1="dk1" bg2="lt2" tx2="dk2" accent1="accent1" accent2="accent2" accent3="accent3" accent4="accent4" accent5="accent5" accent6="accent6" hlink="hlink" folHlink="folHlink"/>
+  <p:notesStyle>
+    <a:lvl1pPr marL="0" algn="l" defTabSz="914400" rtl="0" eaLnBrk="1" latinLnBrk="0" hangingPunct="1">
+      <a:defRPr sz="1200" kern="1200">
+        <a:solidFill>
+          <a:schemeClr val="tx1"/>
+        </a:solidFill>
+        <a:latin typeface="+mn-lt"/>
+        <a:ea typeface="+mn-ea"/>
+        <a:cs typeface="+mn-cs"/>
+      </a:defRPr>
+    </a:lvl1pPr>
+    <a:lvl2pPr marL="457200" algn="l" defTabSz="914400" rtl="0" eaLnBrk="1" latinLnBrk="0" hangingPunct="1">
+      <a:defRPr sz="1200" kern="1200">
+        <a:solidFill>
+          <a:schemeClr val="tx1"/>
+        </a:solidFill>
+        <a:latin typeface="+mn-lt"/>
+        <a:ea typeface="+mn-ea"/>
+        <a:cs typeface="+mn-cs"/>
+      </a:defRPr>
+    </a:lvl2pPr>
+    <a:lvl3pPr marL="914400" algn="l" defTabSz="914400" rtl="0" eaLnBrk="1" latinLnBrk="0" hangingPunct="1">
+      <a:defRPr sz="1200" kern="1200">
+        <a:solidFill>
+          <a:schemeClr val="tx1"/>
+        </a:solidFill>
+        <a:latin typeface="+mn-lt"/>
+        <a:ea typeface="+mn-ea"/>
+        <a:cs typeface="+mn-cs"/>
+      </a:defRPr>
+    </a:lvl3pPr>
+    <a:lvl4pPr marL="1371600" algn="l" defTabSz="914400" rtl="0" eaLnBrk="1" latinLnBrk="0" hangingPunct="1">
+      <a:defRPr sz="1200" kern="1200">
+        <a:solidFill>
+          <a:schemeClr val="tx1"/>
+        </a:solidFill>
+        <a:latin typeface="+mn-lt"/>
+        <a:ea typeface="+mn-ea"/>
+        <a:cs typeface="+mn-cs"/>
+      </a:defRPr>
+    </a:lvl4pPr>
+    <a:lvl5pPr marL="1828800" algn="l" defTabSz="914400" rtl="0" eaLnBrk="1" latinLnBrk="0" hangingPunct="1">
+      <a:defRPr sz="1200" kern="1200">
+        <a:solidFill>
+          <a:schemeClr val="tx1"/>
+        </a:solidFill>
+        <a:latin typeface="+mn-lt"/>
+        <a:ea typeface="+mn-ea"/>
+        <a:cs typeface="+mn-cs"/>
+      </a:defRPr>
+    </a:lvl5pPr>
+    <a:lvl6pPr marL="2286000" algn="l" defTabSz="914400" rtl="0" eaLnBrk="1" latinLnBrk="0" hangingPunct="1">
+      <a:defRPr sz="1200" kern="1200">
+        <a:solidFill>
+          <a:schemeClr val="tx1"/>
+        </a:solidFill>
+        <a:latin typeface="+mn-lt"/>
+        <a:ea typeface="+mn-ea"/>
+        <a:cs typeface="+mn-cs"/>
+      </a:defRPr>
+    </a:lvl6pPr>
+    <a:lvl7pPr marL="2743200" algn="l" defTabSz="914400" rtl="0" eaLnBrk="1" latinLnBrk="0" hangingPunct="1">
+      <a:defRPr sz="1200" kern="1200">
+        <a:solidFill>
+          <a:schemeClr val="tx1"/>
+        </a:solidFill>
+        <a:latin typeface="+mn-lt"/>
+        <a:ea typeface="+mn-ea"/>
+        <a:cs typeface="+mn-cs"/>
+      </a:defRPr>
+    </a:lvl7pPr>
+    <a:lvl8pPr marL="3200400" algn="l" defTabSz="914400" rtl="0" eaLnBrk="1" latinLnBrk="0" hangingPunct="1">
+      <a:defRPr sz="1200" kern="1200">
+        <a:solidFill>
+          <a:schemeClr val="tx1"/>
+        </a:solidFill>
+        <a:latin typeface="+mn-lt"/>
+        <a:ea typeface="+mn-ea"/>
+        <a:cs typeface="+mn-cs"/>
+      </a:defRPr>
+    </a:lvl8pPr>
+    <a:lvl9pPr marL="3657600" algn="l" defTabSz="914400" rtl="0" eaLnBrk="1" latinLnBrk="0" hangingPunct="1">
+      <a:defRPr sz="1200" kern="1200">
+        <a:solidFill>
+          <a:schemeClr val="tx1"/>
+        </a:solidFill>
+        <a:latin typeface="+mn-lt"/>
+        <a:ea typeface="+mn-ea"/>
+        <a:cs typeface="+mn-cs"/>
+      </a:defRPr>
+    </a:lvl9pPr>
+  </p:notesStyle>
+</p:notesMaster>
+</file>
+
+<file path=ppt/notesSlides/notesSlide1.xml><?xml version="1.0" encoding="utf-8"?>
+<p:notes xmlns:a="http://schemas.openxmlformats.org/drawingml/2006/main" xmlns:r="http://schemas.openxmlformats.org/officeDocument/2006/relationships" xmlns:p="http://schemas.openxmlformats.org/presentationml/2006/main">
+  <p:cSld>
+    <p:spTree>
+      <p:nvGrpSpPr>
+        <p:cNvPr id="1" name=""/>
+        <p:cNvGrpSpPr/>
+        <p:nvPr/>
+      </p:nvGrpSpPr>
+      <p:grpSpPr>
+        <a:xfrm>
+          <a:off x="0" y="0"/>
+          <a:ext cx="0" cy="0"/>
+          <a:chOff x="0" y="0"/>
+          <a:chExt cx="0" cy="0"/>
+        </a:xfrm>
+      </p:grpSpPr>
+      <p:sp>
+        <p:nvSpPr>
+          <p:cNvPr id="2" name="幻灯片图像占位符 1"/>
+          <p:cNvSpPr>
+            <a:spLocks noGrp="1" noRot="1" noChangeAspect="1"/>
+          </p:cNvSpPr>
+          <p:nvPr>
+            <p:ph type="sldImg"/>
+          </p:nvPr>
+        </p:nvSpPr>
+        <p:spPr/>
+      </p:sp>
+      <p:sp>
+        <p:nvSpPr>
+          <p:cNvPr id="3" name="备注占位符 2"/>
+          <p:cNvSpPr>
+            <a:spLocks noGrp="1"/>
+          </p:cNvSpPr>
+          <p:nvPr>
+            <p:ph type="body" idx="1"/>
+          </p:nvPr>
+        </p:nvSpPr>
+        <p:spPr/>
+        <p:txBody>
+          <a:bodyPr>
+            <a:normAutofit/>
+          </a:bodyPr>
+          <a:lstStyle/>
+          <a:p>
+            <a:endParaRPr lang="zh-CN" altLang="en-US" dirty="0"/>
+          </a:p>
+        </p:txBody>
+      </p:sp>
+      <p:sp>
+        <p:nvSpPr>
+          <p:cNvPr id="4" name="灯片编号占位符 3"/>
+          <p:cNvSpPr>
+            <a:spLocks noGrp="1"/>
+          </p:cNvSpPr>
+          <p:nvPr>
+            <p:ph type="sldNum" sz="quarter" idx="10"/>
+          </p:nvPr>
+        </p:nvSpPr>
+        <p:spPr/>
+        <p:txBody>
+          <a:bodyPr/>
+          <a:lstStyle/>
+          <a:p>
+            <a:fld id="{A17B7334-5862-4D91-B282-A378EAF293F1}" type="slidenum">
+              <a:rPr lang="zh-CN" altLang="en-US" smtClean="0"/>
+              <a:pPr/>
+              <a:t>1</a:t>
+            </a:fld>
+            <a:endParaRPr lang="zh-CN" altLang="en-US"/>
+          </a:p>
+        </p:txBody>
+      </p:sp>
+    </p:spTree>
+  </p:cSld>
+  <p:clrMapOvr>
+    <a:masterClrMapping/>
+  </p:clrMapOvr>
+</p:notes>
+</file>
+
 <file path=ppt/slideLayouts/slideLayout1.xml><?xml version="1.0" encoding="utf-8"?>
 <p:sldLayout xmlns:a="http://schemas.openxmlformats.org/drawingml/2006/main" xmlns:r="http://schemas.openxmlformats.org/officeDocument/2006/relationships" xmlns:p="http://schemas.openxmlformats.org/presentationml/2006/main" type="title" preserve="1">
   <p:cSld name="标题幻灯片">
@@ -303,7 +736,7 @@
             <a:fld id="{530820CF-B880-4189-942D-D702A7CBA730}" type="datetimeFigureOut">
               <a:rPr lang="zh-CN" altLang="en-US" smtClean="0"/>
               <a:pPr/>
-              <a:t>2018/5/5</a:t>
+              <a:t>2018/5/6</a:t>
             </a:fld>
             <a:endParaRPr lang="zh-CN" altLang="en-US"/>
           </a:p>
@@ -470,7 +903,7 @@
             <a:fld id="{530820CF-B880-4189-942D-D702A7CBA730}" type="datetimeFigureOut">
               <a:rPr lang="zh-CN" altLang="en-US" smtClean="0"/>
               <a:pPr/>
-              <a:t>2018/5/5</a:t>
+              <a:t>2018/5/6</a:t>
             </a:fld>
             <a:endParaRPr lang="zh-CN" altLang="en-US"/>
           </a:p>
@@ -647,7 +1080,7 @@
             <a:fld id="{530820CF-B880-4189-942D-D702A7CBA730}" type="datetimeFigureOut">
               <a:rPr lang="zh-CN" altLang="en-US" smtClean="0"/>
               <a:pPr/>
-              <a:t>2018/5/5</a:t>
+              <a:t>2018/5/6</a:t>
             </a:fld>
             <a:endParaRPr lang="zh-CN" altLang="en-US"/>
           </a:p>
@@ -814,7 +1247,7 @@
             <a:fld id="{530820CF-B880-4189-942D-D702A7CBA730}" type="datetimeFigureOut">
               <a:rPr lang="zh-CN" altLang="en-US" smtClean="0"/>
               <a:pPr/>
-              <a:t>2018/5/5</a:t>
+              <a:t>2018/5/6</a:t>
             </a:fld>
             <a:endParaRPr lang="zh-CN" altLang="en-US"/>
           </a:p>
@@ -1057,7 +1490,7 @@
             <a:fld id="{530820CF-B880-4189-942D-D702A7CBA730}" type="datetimeFigureOut">
               <a:rPr lang="zh-CN" altLang="en-US" smtClean="0"/>
               <a:pPr/>
-              <a:t>2018/5/5</a:t>
+              <a:t>2018/5/6</a:t>
             </a:fld>
             <a:endParaRPr lang="zh-CN" altLang="en-US"/>
           </a:p>
@@ -1342,7 +1775,7 @@
             <a:fld id="{530820CF-B880-4189-942D-D702A7CBA730}" type="datetimeFigureOut">
               <a:rPr lang="zh-CN" altLang="en-US" smtClean="0"/>
               <a:pPr/>
-              <a:t>2018/5/5</a:t>
+              <a:t>2018/5/6</a:t>
             </a:fld>
             <a:endParaRPr lang="zh-CN" altLang="en-US"/>
           </a:p>
@@ -1761,7 +2194,7 @@
             <a:fld id="{530820CF-B880-4189-942D-D702A7CBA730}" type="datetimeFigureOut">
               <a:rPr lang="zh-CN" altLang="en-US" smtClean="0"/>
               <a:pPr/>
-              <a:t>2018/5/5</a:t>
+              <a:t>2018/5/6</a:t>
             </a:fld>
             <a:endParaRPr lang="zh-CN" altLang="en-US"/>
           </a:p>
@@ -1876,7 +2309,7 @@
             <a:fld id="{530820CF-B880-4189-942D-D702A7CBA730}" type="datetimeFigureOut">
               <a:rPr lang="zh-CN" altLang="en-US" smtClean="0"/>
               <a:pPr/>
-              <a:t>2018/5/5</a:t>
+              <a:t>2018/5/6</a:t>
             </a:fld>
             <a:endParaRPr lang="zh-CN" altLang="en-US"/>
           </a:p>
@@ -1968,7 +2401,7 @@
             <a:fld id="{530820CF-B880-4189-942D-D702A7CBA730}" type="datetimeFigureOut">
               <a:rPr lang="zh-CN" altLang="en-US" smtClean="0"/>
               <a:pPr/>
-              <a:t>2018/5/5</a:t>
+              <a:t>2018/5/6</a:t>
             </a:fld>
             <a:endParaRPr lang="zh-CN" altLang="en-US"/>
           </a:p>
@@ -2242,7 +2675,7 @@
             <a:fld id="{530820CF-B880-4189-942D-D702A7CBA730}" type="datetimeFigureOut">
               <a:rPr lang="zh-CN" altLang="en-US" smtClean="0"/>
               <a:pPr/>
-              <a:t>2018/5/5</a:t>
+              <a:t>2018/5/6</a:t>
             </a:fld>
             <a:endParaRPr lang="zh-CN" altLang="en-US"/>
           </a:p>
@@ -2492,7 +2925,7 @@
             <a:fld id="{530820CF-B880-4189-942D-D702A7CBA730}" type="datetimeFigureOut">
               <a:rPr lang="zh-CN" altLang="en-US" smtClean="0"/>
               <a:pPr/>
-              <a:t>2018/5/5</a:t>
+              <a:t>2018/5/6</a:t>
             </a:fld>
             <a:endParaRPr lang="zh-CN" altLang="en-US"/>
           </a:p>
@@ -2702,7 +3135,7 @@
             <a:fld id="{530820CF-B880-4189-942D-D702A7CBA730}" type="datetimeFigureOut">
               <a:rPr lang="zh-CN" altLang="en-US" smtClean="0"/>
               <a:pPr/>
-              <a:t>2018/5/5</a:t>
+              <a:t>2018/5/6</a:t>
             </a:fld>
             <a:endParaRPr lang="zh-CN" altLang="en-US"/>
           </a:p>
@@ -3090,11 +3523,7 @@
           <a:p>
             <a:r>
               <a:rPr lang="sv-SE" altLang="zh-CN" dirty="0" smtClean="0"/>
-              <a:t>The battery free </a:t>
-            </a:r>
-            <a:r>
-              <a:rPr lang="sv-SE" altLang="zh-CN" dirty="0" smtClean="0"/>
-              <a:t>computer</a:t>
+              <a:t>The battery free computer</a:t>
             </a:r>
             <a:endParaRPr lang="zh-CN" altLang="en-US" dirty="0"/>
           </a:p>
@@ -3132,7 +3561,7 @@
           <p:nvPr/>
         </p:nvPicPr>
         <p:blipFill>
-          <a:blip r:embed="rId2"/>
+          <a:blip r:embed="rId3"/>
           <a:srcRect/>
           <a:stretch>
             <a:fillRect/>
@@ -3172,7 +3601,7 @@
 </file>
 
 <file path=ppt/slides/slide10.xml><?xml version="1.0" encoding="utf-8"?>
-<p:sld xmlns:a="http://schemas.openxmlformats.org/drawingml/2006/main" xmlns:r="http://schemas.openxmlformats.org/officeDocument/2006/relationships" xmlns:p="http://schemas.openxmlformats.org/presentationml/2006/main">
+<p:sld xmlns:a="http://schemas.openxmlformats.org/drawingml/2006/main" xmlns:r="http://schemas.openxmlformats.org/officeDocument/2006/relationships" xmlns:p="http://schemas.openxmlformats.org/presentationml/2006/main" show="0">
   <p:cSld>
     <p:spTree>
       <p:nvGrpSpPr>
@@ -3204,91 +3633,10 @@
           <a:lstStyle/>
           <a:p>
             <a:r>
-              <a:rPr lang="sv-SE" altLang="zh-CN" b="1" dirty="0" smtClean="0"/>
-              <a:t>2.1</a:t>
-            </a:r>
-            <a:r>
               <a:rPr lang="sv-SE" altLang="zh-CN" dirty="0" smtClean="0"/>
-              <a:t>/1.2 : The wallet extra</a:t>
+              <a:t>2.2: The slide rule extra </a:t>
             </a:r>
             <a:endParaRPr lang="zh-CN" altLang="en-US" dirty="0"/>
-          </a:p>
-        </p:txBody>
-      </p:sp>
-      <p:sp>
-        <p:nvSpPr>
-          <p:cNvPr id="3" name="内容占位符 2"/>
-          <p:cNvSpPr>
-            <a:spLocks noGrp="1"/>
-          </p:cNvSpPr>
-          <p:nvPr>
-            <p:ph idx="1"/>
-          </p:nvPr>
-        </p:nvSpPr>
-        <p:spPr>
-          <a:xfrm>
-            <a:off x="500034" y="1500174"/>
-            <a:ext cx="8229600" cy="4525963"/>
-          </a:xfrm>
-        </p:spPr>
-        <p:txBody>
-          <a:bodyPr>
-            <a:normAutofit/>
-          </a:bodyPr>
-          <a:lstStyle/>
-          <a:p>
-            <a:pPr>
-              <a:buNone/>
-            </a:pPr>
-            <a:r>
-              <a:rPr lang="sv-SE" altLang="zh-CN" sz="2000" dirty="0" smtClean="0">
-                <a:latin typeface="+mj-lt"/>
-                <a:ea typeface="+mj-ea"/>
-              </a:rPr>
-              <a:t>This can used by very many things:</a:t>
-            </a:r>
-            <a:endParaRPr lang="sv-SE" altLang="zh-CN" sz="2000" dirty="0">
-              <a:latin typeface="+mj-lt"/>
-              <a:ea typeface="+mj-ea"/>
-            </a:endParaRPr>
-          </a:p>
-          <a:p>
-            <a:pPr marL="457200" indent="-457200">
-              <a:buAutoNum type="arabicPeriod"/>
-            </a:pPr>
-            <a:r>
-              <a:rPr lang="sv-SE" altLang="zh-CN" sz="2000" i="1" dirty="0" smtClean="0">
-                <a:latin typeface="+mj-lt"/>
-                <a:ea typeface="+mj-ea"/>
-              </a:rPr>
-              <a:t>Math:</a:t>
-            </a:r>
-            <a:r>
-              <a:rPr lang="sv-SE" altLang="zh-CN" sz="2000" i="1" dirty="0">
-                <a:latin typeface="+mj-lt"/>
-                <a:ea typeface="+mj-ea"/>
-              </a:rPr>
-              <a:t> </a:t>
-            </a:r>
-            <a:r>
-              <a:rPr lang="sv-SE" altLang="zh-CN" sz="2000" i="1" dirty="0" smtClean="0">
-                <a:latin typeface="+mj-lt"/>
-                <a:ea typeface="+mj-ea"/>
-              </a:rPr>
-              <a:t>Addition, subtraction, conpair, mode, median and average, you should read the instructions to know how to handle this because in this presentation I had not write because of no space</a:t>
-            </a:r>
-          </a:p>
-          <a:p>
-            <a:pPr marL="457200" indent="-457200">
-              <a:buAutoNum type="arabicPeriod"/>
-            </a:pPr>
-            <a:r>
-              <a:rPr lang="sv-SE" altLang="zh-CN" sz="2000" b="1" dirty="0" smtClean="0">
-                <a:latin typeface="+mj-lt"/>
-                <a:ea typeface="+mj-ea"/>
-              </a:rPr>
-              <a:t>Encryption: You can use it for mapping and bitwise mapping</a:t>
-            </a:r>
           </a:p>
         </p:txBody>
       </p:sp>
@@ -3325,49 +3673,46 @@
           <a:effectLst/>
         </p:spPr>
       </p:pic>
-      <p:pic>
-        <p:nvPicPr>
-          <p:cNvPr id="5122" name="Picture 2"/>
-          <p:cNvPicPr>
-            <a:picLocks noChangeAspect="1" noChangeArrowheads="1"/>
-          </p:cNvPicPr>
+      <p:sp>
+        <p:nvSpPr>
+          <p:cNvPr id="6" name="TextBox 5"/>
+          <p:cNvSpPr txBox="1"/>
           <p:nvPr/>
-        </p:nvPicPr>
-        <p:blipFill>
-          <a:blip r:embed="rId3"/>
-          <a:srcRect/>
-          <a:stretch>
-            <a:fillRect/>
-          </a:stretch>
-        </p:blipFill>
-        <p:spPr bwMode="auto">
-          <a:xfrm>
-            <a:off x="357158" y="3929066"/>
-            <a:ext cx="5500726" cy="2808374"/>
+        </p:nvSpPr>
+        <p:spPr>
+          <a:xfrm>
+            <a:off x="428596" y="1428736"/>
+            <a:ext cx="8358246" cy="1862048"/>
           </a:xfrm>
           <a:prstGeom prst="rect">
             <a:avLst/>
           </a:prstGeom>
           <a:noFill/>
-          <a:ln w="9525">
-            <a:noFill/>
-            <a:miter lim="800000"/>
-            <a:headEnd/>
-            <a:tailEnd/>
-          </a:ln>
-          <a:effectLst/>
-        </p:spPr>
-      </p:pic>
-      <p:sp>
-        <p:nvSpPr>
-          <p:cNvPr id="6" name="TextBox 5"/>
+        </p:spPr>
+        <p:txBody>
+          <a:bodyPr wrap="square" rtlCol="0">
+            <a:spAutoFit/>
+          </a:bodyPr>
+          <a:lstStyle/>
+          <a:p>
+            <a:r>
+              <a:rPr lang="sv-SE" altLang="zh-CN" sz="2300" dirty="0" smtClean="0"/>
+              <a:t>This slide rule is a rules with full of binary numbers. The code is for example 45670123 and the code you have is 01234567 and you had to draw off some ruler to get the code to 45670123 and then you fininshed! You take a plain text and use it for encrypt and this will be EASIER and FASTER and you shouldn’t calculate every byte!</a:t>
+            </a:r>
+            <a:endParaRPr lang="zh-CN" altLang="en-US" sz="2300" dirty="0"/>
+          </a:p>
+        </p:txBody>
+      </p:sp>
+      <p:sp>
+        <p:nvSpPr>
+          <p:cNvPr id="7" name="TextBox 6"/>
           <p:cNvSpPr txBox="1"/>
           <p:nvPr/>
         </p:nvSpPr>
         <p:spPr>
           <a:xfrm>
-            <a:off x="2714612" y="3214686"/>
-            <a:ext cx="4124078" cy="369332"/>
+            <a:off x="1000100" y="4286256"/>
+            <a:ext cx="1775166" cy="1877437"/>
           </a:xfrm>
           <a:prstGeom prst="rect">
             <a:avLst/>
@@ -3381,48 +3726,15 @@
           <a:lstStyle/>
           <a:p>
             <a:r>
-              <a:rPr lang="sv-SE" altLang="zh-CN" b="1" dirty="0" smtClean="0"/>
-              <a:t>The bold text means focus of this chapter</a:t>
-            </a:r>
-            <a:endParaRPr lang="zh-CN" altLang="en-US" b="1" dirty="0"/>
-          </a:p>
-        </p:txBody>
-      </p:sp>
-      <p:sp>
-        <p:nvSpPr>
-          <p:cNvPr id="7" name="TextBox 6"/>
-          <p:cNvSpPr txBox="1"/>
-          <p:nvPr/>
-        </p:nvSpPr>
-        <p:spPr>
-          <a:xfrm>
-            <a:off x="857224" y="3571876"/>
-            <a:ext cx="7738337" cy="369332"/>
-          </a:xfrm>
-          <a:prstGeom prst="rect">
-            <a:avLst/>
-          </a:prstGeom>
-          <a:noFill/>
-        </p:spPr>
-        <p:txBody>
-          <a:bodyPr wrap="none" rtlCol="0">
-            <a:spAutoFit/>
-          </a:bodyPr>
-          <a:lstStyle/>
-          <a:p>
-            <a:r>
-              <a:rPr lang="sv-SE" altLang="zh-CN" i="1" dirty="0" smtClean="0"/>
-              <a:t>The italical text means you should know about the </a:t>
-            </a:r>
-            <a:r>
-              <a:rPr lang="sv-SE" altLang="zh-CN" i="1" dirty="0" smtClean="0"/>
-              <a:t>machine(piece</a:t>
-            </a:r>
-            <a:r>
-              <a:rPr lang="sv-SE" altLang="zh-CN" i="1" dirty="0" smtClean="0"/>
-              <a:t>) of this chapter</a:t>
-            </a:r>
-            <a:endParaRPr lang="zh-CN" altLang="en-US" i="1" dirty="0"/>
+              <a:rPr lang="sv-SE" altLang="zh-CN" sz="9600" dirty="0" smtClean="0"/>
+              <a:t>?</a:t>
+            </a:r>
+          </a:p>
+          <a:p>
+            <a:r>
+              <a:rPr lang="sv-SE" altLang="zh-CN" sz="2000" dirty="0" smtClean="0"/>
+              <a:t>This lost a pic...</a:t>
+            </a:r>
           </a:p>
         </p:txBody>
       </p:sp>
@@ -3431,6 +3743,7 @@
   <p:clrMapOvr>
     <a:masterClrMapping/>
   </p:clrMapOvr>
+  <p:transition/>
   <p:timing>
     <p:tnLst>
       <p:par>
@@ -3475,20 +3788,160 @@
           <a:p>
             <a:r>
               <a:rPr lang="sv-SE" altLang="zh-CN" dirty="0" smtClean="0"/>
-              <a:t>2.2: The slide rule extra </a:t>
+              <a:t>2.3: The nextstep rule </a:t>
             </a:r>
             <a:endParaRPr lang="zh-CN" altLang="en-US" dirty="0"/>
           </a:p>
         </p:txBody>
       </p:sp>
-      <p:sp>
-        <p:nvSpPr>
-          <p:cNvPr id="3" name="内容占位符 2"/>
-          <p:cNvSpPr>
-            <a:spLocks noGrp="1"/>
-          </p:cNvSpPr>
-          <p:nvPr>
-            <p:ph idx="1"/>
+      <p:pic>
+        <p:nvPicPr>
+          <p:cNvPr id="4" name="Picture 2"/>
+          <p:cNvPicPr>
+            <a:picLocks noChangeAspect="1" noChangeArrowheads="1"/>
+          </p:cNvPicPr>
+          <p:nvPr/>
+        </p:nvPicPr>
+        <p:blipFill>
+          <a:blip r:embed="rId3"/>
+          <a:srcRect/>
+          <a:stretch>
+            <a:fillRect/>
+          </a:stretch>
+        </p:blipFill>
+        <p:spPr bwMode="auto">
+          <a:xfrm>
+            <a:off x="8014494" y="5500702"/>
+            <a:ext cx="930024" cy="1146129"/>
+          </a:xfrm>
+          <a:prstGeom prst="rect">
+            <a:avLst/>
+          </a:prstGeom>
+          <a:noFill/>
+          <a:ln w="9525">
+            <a:noFill/>
+            <a:miter lim="800000"/>
+            <a:headEnd/>
+            <a:tailEnd/>
+          </a:ln>
+          <a:effectLst/>
+        </p:spPr>
+      </p:pic>
+      <p:sp>
+        <p:nvSpPr>
+          <p:cNvPr id="6" name="TextBox 5"/>
+          <p:cNvSpPr txBox="1"/>
+          <p:nvPr/>
+        </p:nvSpPr>
+        <p:spPr>
+          <a:xfrm>
+            <a:off x="214282" y="1714488"/>
+            <a:ext cx="8572560" cy="1384995"/>
+          </a:xfrm>
+          <a:prstGeom prst="rect">
+            <a:avLst/>
+          </a:prstGeom>
+          <a:noFill/>
+        </p:spPr>
+        <p:txBody>
+          <a:bodyPr wrap="square" rtlCol="0">
+            <a:spAutoFit/>
+          </a:bodyPr>
+          <a:lstStyle/>
+          <a:p>
+            <a:r>
+              <a:rPr lang="sv-SE" altLang="zh-CN" sz="2800" dirty="0" smtClean="0"/>
+              <a:t>This rule use by encoding/decoding transposition cypher and it seemed like a new invention of slide rule and I have </a:t>
+            </a:r>
+            <a:r>
+              <a:rPr lang="sv-SE" altLang="zh-CN" sz="2800" dirty="0" smtClean="0"/>
+              <a:t>a</a:t>
+            </a:r>
+            <a:r>
+              <a:rPr lang="sv-SE" altLang="zh-CN" sz="2800" dirty="0" smtClean="0"/>
+              <a:t> picture </a:t>
+            </a:r>
+            <a:r>
+              <a:rPr lang="sv-SE" altLang="zh-CN" sz="2800" dirty="0" smtClean="0"/>
+              <a:t>below:</a:t>
+            </a:r>
+          </a:p>
+        </p:txBody>
+      </p:sp>
+      <p:pic>
+        <p:nvPicPr>
+          <p:cNvPr id="4100" name="Picture 4"/>
+          <p:cNvPicPr>
+            <a:picLocks noChangeAspect="1" noChangeArrowheads="1"/>
+          </p:cNvPicPr>
+          <p:nvPr/>
+        </p:nvPicPr>
+        <p:blipFill>
+          <a:blip r:embed="rId4"/>
+          <a:srcRect/>
+          <a:stretch>
+            <a:fillRect/>
+          </a:stretch>
+        </p:blipFill>
+        <p:spPr bwMode="auto">
+          <a:xfrm>
+            <a:off x="357158" y="3058149"/>
+            <a:ext cx="6527948" cy="3799851"/>
+          </a:xfrm>
+          <a:prstGeom prst="rect">
+            <a:avLst/>
+          </a:prstGeom>
+          <a:noFill/>
+          <a:ln w="9525">
+            <a:noFill/>
+            <a:miter lim="800000"/>
+            <a:headEnd/>
+            <a:tailEnd/>
+          </a:ln>
+          <a:effectLst/>
+        </p:spPr>
+      </p:pic>
+    </p:spTree>
+  </p:cSld>
+  <p:clrMapOvr>
+    <a:masterClrMapping/>
+  </p:clrMapOvr>
+  <p:transition/>
+  <p:timing>
+    <p:tnLst>
+      <p:par>
+        <p:cTn id="1" dur="indefinite" restart="never" nodeType="tmRoot"/>
+      </p:par>
+    </p:tnLst>
+  </p:timing>
+</p:sld>
+</file>
+
+<file path=ppt/slides/slide12.xml><?xml version="1.0" encoding="utf-8"?>
+<p:sld xmlns:a="http://schemas.openxmlformats.org/drawingml/2006/main" xmlns:r="http://schemas.openxmlformats.org/officeDocument/2006/relationships" xmlns:p="http://schemas.openxmlformats.org/presentationml/2006/main" show="0">
+  <p:cSld>
+    <p:spTree>
+      <p:nvGrpSpPr>
+        <p:cNvPr id="1" name=""/>
+        <p:cNvGrpSpPr/>
+        <p:nvPr/>
+      </p:nvGrpSpPr>
+      <p:grpSpPr>
+        <a:xfrm>
+          <a:off x="0" y="0"/>
+          <a:ext cx="0" cy="0"/>
+          <a:chOff x="0" y="0"/>
+          <a:chExt cx="0" cy="0"/>
+        </a:xfrm>
+      </p:grpSpPr>
+      <p:sp>
+        <p:nvSpPr>
+          <p:cNvPr id="2" name="标题 1"/>
+          <p:cNvSpPr>
+            <a:spLocks noGrp="1"/>
+          </p:cNvSpPr>
+          <p:nvPr>
+            <p:ph type="title"/>
           </p:nvPr>
         </p:nvSpPr>
         <p:spPr/>
@@ -3496,14 +3949,27 @@
           <a:bodyPr/>
           <a:lstStyle/>
           <a:p>
-            <a:pPr>
-              <a:buNone/>
-            </a:pPr>
-            <a:r>
-              <a:rPr lang="sv-SE" altLang="zh-CN" dirty="0" smtClean="0"/>
-              <a:t>--- Not finished yet--</a:t>
-            </a:r>
-            <a:endParaRPr lang="zh-CN" altLang="en-US" dirty="0"/>
+            <a:r>
+              <a:rPr lang="sv-SE" altLang="zh-CN" dirty="0" smtClean="0">
+                <a:effectLst>
+                  <a:outerShdw blurRad="38100" dist="38100" dir="2700000" algn="tl">
+                    <a:srgbClr val="000000">
+                      <a:alpha val="43137"/>
+                    </a:srgbClr>
+                  </a:outerShdw>
+                </a:effectLst>
+              </a:rPr>
+              <a:t>3. Hashcode machine </a:t>
+            </a:r>
+            <a:endParaRPr lang="zh-CN" altLang="en-US" dirty="0">
+              <a:effectLst>
+                <a:outerShdw blurRad="38100" dist="38100" dir="2700000" algn="tl">
+                  <a:srgbClr val="000000">
+                    <a:alpha val="43137"/>
+                  </a:srgbClr>
+                </a:outerShdw>
+              </a:effectLst>
+            </a:endParaRPr>
           </a:p>
         </p:txBody>
       </p:sp>
@@ -3540,11 +4006,42 @@
           <a:effectLst/>
         </p:spPr>
       </p:pic>
+      <p:sp>
+        <p:nvSpPr>
+          <p:cNvPr id="6" name="TextBox 5"/>
+          <p:cNvSpPr txBox="1"/>
+          <p:nvPr/>
+        </p:nvSpPr>
+        <p:spPr>
+          <a:xfrm>
+            <a:off x="785786" y="1357298"/>
+            <a:ext cx="3374770" cy="461665"/>
+          </a:xfrm>
+          <a:prstGeom prst="rect">
+            <a:avLst/>
+          </a:prstGeom>
+          <a:noFill/>
+        </p:spPr>
+        <p:txBody>
+          <a:bodyPr wrap="none" rtlCol="0">
+            <a:spAutoFit/>
+          </a:bodyPr>
+          <a:lstStyle/>
+          <a:p>
+            <a:r>
+              <a:rPr lang="sv-SE" altLang="zh-CN" sz="2300" dirty="0" smtClean="0"/>
+              <a:t>--I have no idea for that-- </a:t>
+            </a:r>
+            <a:endParaRPr lang="zh-CN" altLang="en-US" sz="2300" dirty="0"/>
+          </a:p>
+        </p:txBody>
+      </p:sp>
     </p:spTree>
   </p:cSld>
   <p:clrMapOvr>
     <a:masterClrMapping/>
   </p:clrMapOvr>
+  <p:transition/>
   <p:timing>
     <p:tnLst>
       <p:par>
@@ -3555,8 +4052,8 @@
 </p:sld>
 </file>
 
-<file path=ppt/slides/slide12.xml><?xml version="1.0" encoding="utf-8"?>
-<p:sld xmlns:a="http://schemas.openxmlformats.org/drawingml/2006/main" xmlns:r="http://schemas.openxmlformats.org/officeDocument/2006/relationships" xmlns:p="http://schemas.openxmlformats.org/presentationml/2006/main">
+<file path=ppt/slides/slide13.xml><?xml version="1.0" encoding="utf-8"?>
+<p:sld xmlns:a="http://schemas.openxmlformats.org/drawingml/2006/main" xmlns:r="http://schemas.openxmlformats.org/officeDocument/2006/relationships" xmlns:p="http://schemas.openxmlformats.org/presentationml/2006/main" show="0">
   <p:cSld>
     <p:spTree>
       <p:nvGrpSpPr>
@@ -3588,49 +4085,105 @@
           <a:lstStyle/>
           <a:p>
             <a:r>
-              <a:rPr lang="sv-SE" altLang="zh-CN" dirty="0" smtClean="0"/>
-              <a:t>2.3: The nextstep rule </a:t>
-            </a:r>
-            <a:endParaRPr lang="zh-CN" altLang="en-US" dirty="0"/>
-          </a:p>
-        </p:txBody>
-      </p:sp>
-      <p:sp>
-        <p:nvSpPr>
-          <p:cNvPr id="3" name="内容占位符 2"/>
-          <p:cNvSpPr>
-            <a:spLocks noGrp="1"/>
-          </p:cNvSpPr>
-          <p:nvPr>
-            <p:ph idx="1"/>
-          </p:nvPr>
-        </p:nvSpPr>
-        <p:spPr/>
-        <p:txBody>
-          <a:bodyPr/>
-          <a:lstStyle/>
-          <a:p>
-            <a:pPr>
-              <a:buNone/>
-            </a:pPr>
-            <a:r>
-              <a:rPr lang="sv-SE" altLang="zh-CN" dirty="0" smtClean="0"/>
-              <a:t>--- Not finished yet--</a:t>
-            </a:r>
-            <a:endParaRPr lang="zh-CN" altLang="en-US" dirty="0"/>
+              <a:rPr lang="sv-SE" altLang="zh-CN" dirty="0" smtClean="0">
+                <a:effectLst>
+                  <a:outerShdw blurRad="38100" dist="38100" dir="2700000" algn="tl">
+                    <a:srgbClr val="000000">
+                      <a:alpha val="43137"/>
+                    </a:srgbClr>
+                  </a:outerShdw>
+                </a:effectLst>
+              </a:rPr>
+              <a:t>4. Regular Applications</a:t>
+            </a:r>
+            <a:endParaRPr lang="zh-CN" altLang="en-US" dirty="0">
+              <a:effectLst>
+                <a:outerShdw blurRad="38100" dist="38100" dir="2700000" algn="tl">
+                  <a:srgbClr val="000000">
+                    <a:alpha val="43137"/>
+                  </a:srgbClr>
+                </a:outerShdw>
+              </a:effectLst>
+            </a:endParaRPr>
+          </a:p>
+        </p:txBody>
+      </p:sp>
+      <p:sp>
+        <p:nvSpPr>
+          <p:cNvPr id="4" name="TextBox 3"/>
+          <p:cNvSpPr txBox="1"/>
+          <p:nvPr/>
+        </p:nvSpPr>
+        <p:spPr>
+          <a:xfrm>
+            <a:off x="214282" y="1357298"/>
+            <a:ext cx="8715436" cy="3416320"/>
+          </a:xfrm>
+          <a:prstGeom prst="rect">
+            <a:avLst/>
+          </a:prstGeom>
+          <a:noFill/>
+        </p:spPr>
+        <p:txBody>
+          <a:bodyPr wrap="square" rtlCol="0">
+            <a:spAutoFit/>
+          </a:bodyPr>
+          <a:lstStyle/>
+          <a:p>
+            <a:r>
+              <a:rPr lang="sv-SE" altLang="zh-CN" sz="2400" dirty="0" smtClean="0"/>
+              <a:t>These regular applications is built in at the computer, then your computer is very like all-in-one computer.</a:t>
+            </a:r>
+          </a:p>
+          <a:p>
+            <a:endParaRPr lang="sv-SE" altLang="zh-CN" sz="2400" dirty="0" smtClean="0"/>
+          </a:p>
+          <a:p>
+            <a:r>
+              <a:rPr lang="sv-SE" altLang="zh-CN" sz="2400" dirty="0" smtClean="0"/>
+              <a:t>Contents of this chapter:</a:t>
+            </a:r>
+          </a:p>
+          <a:p>
+            <a:endParaRPr lang="sv-SE" altLang="zh-CN" sz="2400" dirty="0" smtClean="0"/>
+          </a:p>
+          <a:p>
+            <a:r>
+              <a:rPr lang="sv-SE" altLang="zh-CN" sz="2400" dirty="0" smtClean="0"/>
+              <a:t>4.1 Calendar</a:t>
+            </a:r>
+          </a:p>
+          <a:p>
+            <a:r>
+              <a:rPr lang="sv-SE" altLang="zh-CN" sz="2400" dirty="0" smtClean="0"/>
+              <a:t>4.2 Maps</a:t>
+            </a:r>
+          </a:p>
+          <a:p>
+            <a:r>
+              <a:rPr lang="sv-SE" altLang="zh-CN" sz="2400" dirty="0" smtClean="0"/>
+              <a:t>4.3 ...</a:t>
+            </a:r>
+          </a:p>
+          <a:p>
+            <a:r>
+              <a:rPr lang="sv-SE" altLang="zh-CN" sz="2400" dirty="0" smtClean="0"/>
+              <a:t>Not finished yet</a:t>
+            </a:r>
+            <a:endParaRPr lang="zh-CN" altLang="en-US" sz="2400" dirty="0"/>
           </a:p>
         </p:txBody>
       </p:sp>
       <p:pic>
         <p:nvPicPr>
-          <p:cNvPr id="4" name="Picture 2"/>
+          <p:cNvPr id="5" name="Picture 2"/>
           <p:cNvPicPr>
             <a:picLocks noChangeAspect="1" noChangeArrowheads="1"/>
           </p:cNvPicPr>
           <p:nvPr/>
         </p:nvPicPr>
         <p:blipFill>
-          <a:blip r:embed="rId2"/>
+          <a:blip r:embed="rId3"/>
           <a:srcRect/>
           <a:stretch>
             <a:fillRect/>
@@ -3659,120 +4212,7 @@
   <p:clrMapOvr>
     <a:masterClrMapping/>
   </p:clrMapOvr>
-  <p:timing>
-    <p:tnLst>
-      <p:par>
-        <p:cTn id="1" dur="indefinite" restart="never" nodeType="tmRoot"/>
-      </p:par>
-    </p:tnLst>
-  </p:timing>
-</p:sld>
-</file>
-
-<file path=ppt/slides/slide13.xml><?xml version="1.0" encoding="utf-8"?>
-<p:sld xmlns:a="http://schemas.openxmlformats.org/drawingml/2006/main" xmlns:r="http://schemas.openxmlformats.org/officeDocument/2006/relationships" xmlns:p="http://schemas.openxmlformats.org/presentationml/2006/main">
-  <p:cSld>
-    <p:spTree>
-      <p:nvGrpSpPr>
-        <p:cNvPr id="1" name=""/>
-        <p:cNvGrpSpPr/>
-        <p:nvPr/>
-      </p:nvGrpSpPr>
-      <p:grpSpPr>
-        <a:xfrm>
-          <a:off x="0" y="0"/>
-          <a:ext cx="0" cy="0"/>
-          <a:chOff x="0" y="0"/>
-          <a:chExt cx="0" cy="0"/>
-        </a:xfrm>
-      </p:grpSpPr>
-      <p:sp>
-        <p:nvSpPr>
-          <p:cNvPr id="2" name="标题 1"/>
-          <p:cNvSpPr>
-            <a:spLocks noGrp="1"/>
-          </p:cNvSpPr>
-          <p:nvPr>
-            <p:ph type="title"/>
-          </p:nvPr>
-        </p:nvSpPr>
-        <p:spPr/>
-        <p:txBody>
-          <a:bodyPr/>
-          <a:lstStyle/>
-          <a:p>
-            <a:r>
-              <a:rPr lang="sv-SE" altLang="zh-CN" dirty="0" smtClean="0"/>
-              <a:t>3. Hashcode machine </a:t>
-            </a:r>
-            <a:endParaRPr lang="zh-CN" altLang="en-US" dirty="0"/>
-          </a:p>
-        </p:txBody>
-      </p:sp>
-      <p:sp>
-        <p:nvSpPr>
-          <p:cNvPr id="3" name="内容占位符 2"/>
-          <p:cNvSpPr>
-            <a:spLocks noGrp="1"/>
-          </p:cNvSpPr>
-          <p:nvPr>
-            <p:ph idx="1"/>
-          </p:nvPr>
-        </p:nvSpPr>
-        <p:spPr/>
-        <p:txBody>
-          <a:bodyPr/>
-          <a:lstStyle/>
-          <a:p>
-            <a:pPr>
-              <a:buNone/>
-            </a:pPr>
-            <a:r>
-              <a:rPr lang="sv-SE" altLang="zh-CN" dirty="0" smtClean="0"/>
-              <a:t>--I had not planned yet--</a:t>
-            </a:r>
-            <a:endParaRPr lang="zh-CN" altLang="en-US" dirty="0"/>
-          </a:p>
-        </p:txBody>
-      </p:sp>
-      <p:pic>
-        <p:nvPicPr>
-          <p:cNvPr id="4" name="Picture 2"/>
-          <p:cNvPicPr>
-            <a:picLocks noChangeAspect="1" noChangeArrowheads="1"/>
-          </p:cNvPicPr>
-          <p:nvPr/>
-        </p:nvPicPr>
-        <p:blipFill>
-          <a:blip r:embed="rId2"/>
-          <a:srcRect/>
-          <a:stretch>
-            <a:fillRect/>
-          </a:stretch>
-        </p:blipFill>
-        <p:spPr bwMode="auto">
-          <a:xfrm>
-            <a:off x="8014494" y="5500702"/>
-            <a:ext cx="930024" cy="1146129"/>
-          </a:xfrm>
-          <a:prstGeom prst="rect">
-            <a:avLst/>
-          </a:prstGeom>
-          <a:noFill/>
-          <a:ln w="9525">
-            <a:noFill/>
-            <a:miter lim="800000"/>
-            <a:headEnd/>
-            <a:tailEnd/>
-          </a:ln>
-          <a:effectLst/>
-        </p:spPr>
-      </p:pic>
-    </p:spTree>
-  </p:cSld>
-  <p:clrMapOvr>
-    <a:masterClrMapping/>
-  </p:clrMapOvr>
+  <p:transition/>
   <p:timing>
     <p:tnLst>
       <p:par>
@@ -3802,135 +4242,16 @@
       </p:grpSpPr>
       <p:sp>
         <p:nvSpPr>
-          <p:cNvPr id="2" name="标题 1"/>
-          <p:cNvSpPr>
-            <a:spLocks noGrp="1"/>
-          </p:cNvSpPr>
-          <p:nvPr>
-            <p:ph type="title"/>
-          </p:nvPr>
-        </p:nvSpPr>
-        <p:spPr/>
-        <p:txBody>
-          <a:bodyPr/>
-          <a:lstStyle/>
-          <a:p>
-            <a:r>
-              <a:rPr lang="sv-SE" altLang="zh-CN" dirty="0" smtClean="0"/>
-              <a:t>4. Regular Applications</a:t>
-            </a:r>
-            <a:endParaRPr lang="zh-CN" altLang="en-US" dirty="0"/>
-          </a:p>
-        </p:txBody>
-      </p:sp>
-      <p:sp>
-        <p:nvSpPr>
-          <p:cNvPr id="4" name="TextBox 3"/>
+          <p:cNvPr id="6" name="TextBox 5">
+            <a:hlinkClick r:id="rId2"/>
+          </p:cNvPr>
           <p:cNvSpPr txBox="1"/>
           <p:nvPr/>
         </p:nvSpPr>
         <p:spPr>
           <a:xfrm>
-            <a:off x="214282" y="1357298"/>
-            <a:ext cx="8715436" cy="3416320"/>
-          </a:xfrm>
-          <a:prstGeom prst="rect">
-            <a:avLst/>
-          </a:prstGeom>
-          <a:noFill/>
-        </p:spPr>
-        <p:txBody>
-          <a:bodyPr wrap="square" rtlCol="0">
-            <a:spAutoFit/>
-          </a:bodyPr>
-          <a:lstStyle/>
-          <a:p>
-            <a:r>
-              <a:rPr lang="sv-SE" altLang="zh-CN" sz="2400" dirty="0" smtClean="0"/>
-              <a:t>These regular applications is built in at the computer, then your computer is very like all-in-one computer.</a:t>
-            </a:r>
-          </a:p>
-          <a:p>
-            <a:endParaRPr lang="sv-SE" altLang="zh-CN" sz="2400" dirty="0" smtClean="0"/>
-          </a:p>
-          <a:p>
-            <a:r>
-              <a:rPr lang="sv-SE" altLang="zh-CN" sz="2400" dirty="0" smtClean="0"/>
-              <a:t>Contents of this chapter:</a:t>
-            </a:r>
-          </a:p>
-          <a:p>
-            <a:endParaRPr lang="sv-SE" altLang="zh-CN" sz="2400" dirty="0" smtClean="0"/>
-          </a:p>
-          <a:p>
-            <a:r>
-              <a:rPr lang="sv-SE" altLang="zh-CN" sz="2400" dirty="0" smtClean="0"/>
-              <a:t>4.1 Calendar</a:t>
-            </a:r>
-          </a:p>
-          <a:p>
-            <a:r>
-              <a:rPr lang="sv-SE" altLang="zh-CN" sz="2400" dirty="0" smtClean="0"/>
-              <a:t>4.2 Maps</a:t>
-            </a:r>
-          </a:p>
-          <a:p>
-            <a:r>
-              <a:rPr lang="sv-SE" altLang="zh-CN" sz="2400" dirty="0" smtClean="0"/>
-              <a:t>4.3 ...</a:t>
-            </a:r>
-          </a:p>
-          <a:p>
-            <a:r>
-              <a:rPr lang="sv-SE" altLang="zh-CN" sz="2400" dirty="0" smtClean="0"/>
-              <a:t>Not finished yet</a:t>
-            </a:r>
-            <a:endParaRPr lang="zh-CN" altLang="en-US" sz="2400" dirty="0"/>
-          </a:p>
-        </p:txBody>
-      </p:sp>
-    </p:spTree>
-  </p:cSld>
-  <p:clrMapOvr>
-    <a:masterClrMapping/>
-  </p:clrMapOvr>
-  <p:timing>
-    <p:tnLst>
-      <p:par>
-        <p:cTn id="1" dur="indefinite" restart="never" nodeType="tmRoot"/>
-      </p:par>
-    </p:tnLst>
-  </p:timing>
-</p:sld>
-</file>
-
-<file path=ppt/slides/slide15.xml><?xml version="1.0" encoding="utf-8"?>
-<p:sld xmlns:a="http://schemas.openxmlformats.org/drawingml/2006/main" xmlns:r="http://schemas.openxmlformats.org/officeDocument/2006/relationships" xmlns:p="http://schemas.openxmlformats.org/presentationml/2006/main">
-  <p:cSld>
-    <p:spTree>
-      <p:nvGrpSpPr>
-        <p:cNvPr id="1" name=""/>
-        <p:cNvGrpSpPr/>
-        <p:nvPr/>
-      </p:nvGrpSpPr>
-      <p:grpSpPr>
-        <a:xfrm>
-          <a:off x="0" y="0"/>
-          <a:ext cx="0" cy="0"/>
-          <a:chOff x="0" y="0"/>
-          <a:chExt cx="0" cy="0"/>
-        </a:xfrm>
-      </p:grpSpPr>
-      <p:sp>
-        <p:nvSpPr>
-          <p:cNvPr id="6" name="TextBox 5"/>
-          <p:cNvSpPr txBox="1"/>
-          <p:nvPr/>
-        </p:nvSpPr>
-        <p:spPr>
-          <a:xfrm>
-            <a:off x="2214546" y="5286388"/>
-            <a:ext cx="4507965" cy="707886"/>
+            <a:off x="2071670" y="5286388"/>
+            <a:ext cx="5049780" cy="707886"/>
           </a:xfrm>
           <a:prstGeom prst="rect">
             <a:avLst/>
@@ -3950,7 +4271,7 @@
                 </a:solidFill>
                 <a:latin typeface="Comic Sans MS" pitchFamily="66" charset="0"/>
               </a:rPr>
-              <a:t>www.setsolotion.it</a:t>
+              <a:t>www.setsolution.com</a:t>
             </a:r>
             <a:endParaRPr lang="zh-CN" altLang="en-US" sz="4000" dirty="0">
               <a:solidFill>
@@ -3970,7 +4291,7 @@
           <p:nvPr/>
         </p:nvPicPr>
         <p:blipFill>
-          <a:blip r:embed="rId2"/>
+          <a:blip r:embed="rId3"/>
           <a:srcRect/>
           <a:stretch>
             <a:fillRect/>
@@ -4003,7 +4324,7 @@
           <p:nvPr/>
         </p:nvPicPr>
         <p:blipFill>
-          <a:blip r:embed="rId3"/>
+          <a:blip r:embed="rId4"/>
           <a:srcRect/>
           <a:stretch>
             <a:fillRect/>
@@ -4075,106 +4396,120 @@
           <a:lstStyle/>
           <a:p>
             <a:r>
+              <a:rPr lang="sv-SE" altLang="zh-CN" dirty="0" smtClean="0"/>
+              <a:t>Let us start...</a:t>
+            </a:r>
+            <a:endParaRPr lang="zh-CN" altLang="en-US" dirty="0"/>
+          </a:p>
+        </p:txBody>
+      </p:sp>
+      <p:sp>
+        <p:nvSpPr>
+          <p:cNvPr id="4" name="TextBox 3"/>
+          <p:cNvSpPr txBox="1"/>
+          <p:nvPr/>
+        </p:nvSpPr>
+        <p:spPr>
+          <a:xfrm>
+            <a:off x="642910" y="1714488"/>
+            <a:ext cx="7858179" cy="3416320"/>
+          </a:xfrm>
+          <a:prstGeom prst="rect">
+            <a:avLst/>
+          </a:prstGeom>
+          <a:noFill/>
+        </p:spPr>
+        <p:txBody>
+          <a:bodyPr wrap="square" rtlCol="0">
+            <a:spAutoFit/>
+          </a:bodyPr>
+          <a:lstStyle/>
+          <a:p>
+            <a:r>
+              <a:rPr lang="sv-SE" altLang="zh-CN" dirty="0" smtClean="0"/>
+              <a:t>I made this computer because the regular computer</a:t>
+            </a:r>
+            <a:endParaRPr lang="zh-CN" altLang="en-US" dirty="0" smtClean="0"/>
+          </a:p>
+          <a:p>
+            <a:r>
+              <a:rPr lang="sv-SE" altLang="zh-CN" dirty="0" smtClean="0"/>
+              <a:t>had taken too much electricity that is not good which can cause big problems.</a:t>
+            </a:r>
+          </a:p>
+          <a:p>
+            <a:endParaRPr lang="sv-SE" altLang="zh-CN" dirty="0" smtClean="0"/>
+          </a:p>
+          <a:p>
+            <a:r>
+              <a:rPr lang="sv-SE" altLang="zh-CN" dirty="0" smtClean="0"/>
+              <a:t>Today I want show you this computer and it sounds impossible. If you think the computer looks like a regular computer you have wrong, this computer looks a bit strange, it is in </a:t>
+            </a:r>
+            <a:r>
+              <a:rPr lang="sv-SE" altLang="zh-CN" u="sng" dirty="0" smtClean="0"/>
+              <a:t>PIECES</a:t>
+            </a:r>
+            <a:r>
+              <a:rPr lang="sv-SE" altLang="zh-CN" dirty="0" smtClean="0"/>
+              <a:t>, not </a:t>
+            </a:r>
+            <a:r>
+              <a:rPr lang="sv-SE" altLang="zh-CN" u="sng" dirty="0" smtClean="0"/>
+              <a:t>ALL-IN-ONE.</a:t>
+            </a:r>
+          </a:p>
+          <a:p>
+            <a:endParaRPr lang="sv-SE" altLang="zh-CN" dirty="0" smtClean="0"/>
+          </a:p>
+          <a:p>
+            <a:r>
+              <a:rPr lang="sv-SE" altLang="zh-CN" dirty="0" smtClean="0"/>
+              <a:t>Contents of chapters:</a:t>
+            </a:r>
+          </a:p>
+          <a:p>
+            <a:endParaRPr lang="sv-SE" altLang="zh-CN" dirty="0" smtClean="0"/>
+          </a:p>
+          <a:p>
+            <a:pPr marL="342900" indent="-342900">
+              <a:buAutoNum type="arabicPeriod"/>
+            </a:pPr>
+            <a:r>
+              <a:rPr lang="sv-SE" altLang="zh-CN" dirty="0" smtClean="0"/>
+              <a:t>Battery free calculator</a:t>
+            </a:r>
+          </a:p>
+          <a:p>
+            <a:pPr marL="342900" indent="-342900">
+              <a:buAutoNum type="arabicPeriod"/>
+            </a:pPr>
+            <a:r>
               <a:rPr lang="sv-SE" altLang="zh-CN" dirty="0" smtClean="0">
-                <a:effectLst>
-                  <a:outerShdw blurRad="38100" dist="38100" dir="2700000" algn="tl">
-                    <a:srgbClr val="000000">
-                      <a:alpha val="43137"/>
-                    </a:srgbClr>
-                  </a:outerShdw>
-                </a:effectLst>
+                <a:solidFill>
+                  <a:srgbClr val="FFFF00"/>
+                </a:solidFill>
               </a:rPr>
-              <a:t>Presentation overview</a:t>
-            </a:r>
-            <a:endParaRPr lang="zh-CN" altLang="en-US" dirty="0">
-              <a:effectLst>
-                <a:outerShdw blurRad="38100" dist="38100" dir="2700000" algn="tl">
-                  <a:srgbClr val="000000">
-                    <a:alpha val="43137"/>
-                  </a:srgbClr>
-                </a:outerShdw>
-              </a:effectLst>
-            </a:endParaRPr>
-          </a:p>
-        </p:txBody>
-      </p:sp>
-      <p:sp>
-        <p:nvSpPr>
-          <p:cNvPr id="3" name="内容占位符 2"/>
-          <p:cNvSpPr>
-            <a:spLocks noGrp="1"/>
-          </p:cNvSpPr>
-          <p:nvPr>
-            <p:ph idx="1"/>
-          </p:nvPr>
-        </p:nvSpPr>
-        <p:spPr/>
-        <p:txBody>
-          <a:bodyPr>
-            <a:normAutofit/>
-          </a:bodyPr>
-          <a:lstStyle/>
-          <a:p>
-            <a:r>
-              <a:rPr lang="sv-SE" altLang="zh-CN" sz="2800" dirty="0" smtClean="0">
-                <a:effectLst>
-                  <a:outerShdw blurRad="38100" dist="38100" dir="2700000" algn="tl">
-                    <a:srgbClr val="000000">
-                      <a:alpha val="43137"/>
-                    </a:srgbClr>
-                  </a:outerShdw>
-                </a:effectLst>
+              <a:t>The encryption machine</a:t>
+            </a:r>
+          </a:p>
+          <a:p>
+            <a:pPr marL="342900" indent="-342900">
+              <a:buAutoNum type="arabicPeriod"/>
+            </a:pPr>
+            <a:r>
+              <a:rPr lang="sv-SE" altLang="zh-CN" dirty="0" smtClean="0">
+                <a:solidFill>
+                  <a:srgbClr val="FF0000"/>
+                </a:solidFill>
               </a:rPr>
-              <a:t>Battery free calculator that can do everything at math</a:t>
-            </a:r>
-          </a:p>
-          <a:p>
-            <a:r>
-              <a:rPr lang="sv-SE" altLang="zh-CN" sz="2800" dirty="0" smtClean="0">
-                <a:effectLst>
-                  <a:outerShdw blurRad="38100" dist="38100" dir="2700000" algn="tl">
-                    <a:srgbClr val="000000">
-                      <a:alpha val="43137"/>
-                    </a:srgbClr>
-                  </a:outerShdw>
-                </a:effectLst>
-              </a:rPr>
-              <a:t>Battery free encryption system at mapping, transposition, bitwise mapping and bitwise transposition</a:t>
-            </a:r>
-          </a:p>
-          <a:p>
-            <a:r>
-              <a:rPr lang="sv-SE" altLang="zh-CN" sz="2800" dirty="0" smtClean="0">
-                <a:effectLst>
-                  <a:outerShdw blurRad="38100" dist="38100" dir="2700000" algn="tl">
-                    <a:srgbClr val="000000">
-                      <a:alpha val="43137"/>
-                    </a:srgbClr>
-                  </a:outerShdw>
-                </a:effectLst>
-              </a:rPr>
-              <a:t>Battery free hash code system</a:t>
-            </a:r>
-          </a:p>
-          <a:p>
-            <a:r>
-              <a:rPr lang="sv-SE" altLang="zh-CN" sz="2800" dirty="0" smtClean="0">
-                <a:effectLst>
-                  <a:outerShdw blurRad="38100" dist="38100" dir="2700000" algn="tl">
-                    <a:srgbClr val="000000">
-                      <a:alpha val="43137"/>
-                    </a:srgbClr>
-                  </a:outerShdw>
-                </a:effectLst>
-              </a:rPr>
-              <a:t>Some more features...</a:t>
+              <a:t>Hashcode machine</a:t>
             </a:r>
           </a:p>
         </p:txBody>
       </p:sp>
       <p:pic>
         <p:nvPicPr>
-          <p:cNvPr id="5" name="Picture 2"/>
+          <p:cNvPr id="6" name="Picture 2"/>
           <p:cNvPicPr>
             <a:picLocks noChangeAspect="1" noChangeArrowheads="1"/>
           </p:cNvPicPr>
@@ -4253,10 +4588,26 @@
           <a:lstStyle/>
           <a:p>
             <a:r>
-              <a:rPr lang="sv-SE" altLang="zh-CN" dirty="0" smtClean="0"/>
-              <a:t>Let us start...</a:t>
-            </a:r>
-            <a:endParaRPr lang="zh-CN" altLang="en-US" dirty="0"/>
+              <a:rPr lang="sv-SE" altLang="zh-CN" dirty="0" smtClean="0">
+                <a:effectLst>
+                  <a:outerShdw blurRad="38100" dist="38100" dir="2700000" algn="tl">
+                    <a:srgbClr val="000000">
+                      <a:alpha val="43137"/>
+                    </a:srgbClr>
+                  </a:outerShdw>
+                </a:effectLst>
+              </a:rPr>
+              <a:t>1. Battery free calculator</a:t>
+            </a:r>
+            <a:endParaRPr lang="zh-CN" altLang="en-US" dirty="0">
+              <a:effectLst>
+                <a:outerShdw blurRad="38100" dist="38100" dir="2700000" algn="tl">
+                  <a:srgbClr val="000000">
+                    <a:alpha val="43137"/>
+                  </a:srgbClr>
+                </a:outerShdw>
+              </a:effectLst>
+            </a:endParaRPr>
           </a:p>
         </p:txBody>
       </p:sp>
@@ -4268,8 +4619,8 @@
         </p:nvSpPr>
         <p:spPr>
           <a:xfrm>
-            <a:off x="642910" y="1714488"/>
-            <a:ext cx="7858179" cy="3416320"/>
+            <a:off x="714348" y="1357298"/>
+            <a:ext cx="8286808" cy="4154984"/>
           </a:xfrm>
           <a:prstGeom prst="rect">
             <a:avLst/>
@@ -4283,74 +4634,70 @@
           <a:lstStyle/>
           <a:p>
             <a:r>
-              <a:rPr lang="sv-SE" altLang="zh-CN" dirty="0" smtClean="0"/>
-              <a:t>I made this computer because the regular computer</a:t>
-            </a:r>
-            <a:endParaRPr lang="zh-CN" altLang="en-US" dirty="0" smtClean="0"/>
-          </a:p>
-          <a:p>
-            <a:r>
-              <a:rPr lang="sv-SE" altLang="zh-CN" dirty="0" smtClean="0"/>
-              <a:t>had taken too much electricity that is not good which can cause big problems.</a:t>
-            </a:r>
-          </a:p>
-          <a:p>
-            <a:endParaRPr lang="sv-SE" altLang="zh-CN" dirty="0" smtClean="0"/>
-          </a:p>
-          <a:p>
-            <a:r>
-              <a:rPr lang="sv-SE" altLang="zh-CN" dirty="0" smtClean="0"/>
-              <a:t>Today I want show you this computer and it sounds impossible. If you think the computer looks like a regular computer you have wrong, this computer looks a bit strange, it is in PIECES, not ALL-IN-ONE</a:t>
-            </a:r>
-            <a:r>
-              <a:rPr lang="sv-SE" altLang="zh-CN" dirty="0" smtClean="0"/>
+              <a:rPr lang="sv-SE" altLang="zh-CN" sz="2400" dirty="0" smtClean="0"/>
+              <a:t>This calculator is not just a regular calculator, more like graphical calculator and it use no energy.</a:t>
+            </a:r>
+          </a:p>
+          <a:p>
+            <a:r>
+              <a:rPr lang="sv-SE" altLang="zh-CN" sz="2400" dirty="0" smtClean="0"/>
+              <a:t>The calculator seperates in </a:t>
+            </a:r>
+            <a:r>
+              <a:rPr lang="sv-SE" altLang="zh-CN" sz="2400" u="sng" dirty="0" smtClean="0"/>
+              <a:t>PIECES</a:t>
+            </a:r>
+            <a:r>
+              <a:rPr lang="sv-SE" altLang="zh-CN" sz="2400" dirty="0" smtClean="0"/>
               <a:t>.</a:t>
             </a:r>
           </a:p>
           <a:p>
-            <a:endParaRPr lang="sv-SE" altLang="zh-CN" dirty="0" smtClean="0"/>
-          </a:p>
-          <a:p>
-            <a:r>
-              <a:rPr lang="sv-SE" altLang="zh-CN" dirty="0" smtClean="0"/>
-              <a:t>Contents of chapters:</a:t>
-            </a:r>
-          </a:p>
-          <a:p>
-            <a:endParaRPr lang="sv-SE" altLang="zh-CN" dirty="0" smtClean="0"/>
-          </a:p>
-          <a:p>
-            <a:pPr marL="342900" indent="-342900">
-              <a:buAutoNum type="arabicPeriod"/>
-            </a:pPr>
-            <a:r>
-              <a:rPr lang="sv-SE" altLang="zh-CN" dirty="0" smtClean="0"/>
-              <a:t>Battery free calculator</a:t>
-            </a:r>
-          </a:p>
-          <a:p>
-            <a:pPr marL="342900" indent="-342900">
-              <a:buAutoNum type="arabicPeriod"/>
-            </a:pPr>
-            <a:r>
-              <a:rPr lang="sv-SE" altLang="zh-CN" dirty="0" smtClean="0"/>
-              <a:t>The encryption machine</a:t>
-            </a:r>
-          </a:p>
-          <a:p>
-            <a:pPr marL="342900" indent="-342900">
-              <a:buAutoNum type="arabicPeriod"/>
-            </a:pPr>
-            <a:r>
-              <a:rPr lang="sv-SE" altLang="zh-CN" dirty="0" smtClean="0"/>
-              <a:t>Hashcode machine</a:t>
-            </a:r>
+            <a:endParaRPr lang="sv-SE" altLang="zh-CN" sz="2400" dirty="0" smtClean="0"/>
+          </a:p>
+          <a:p>
+            <a:r>
+              <a:rPr lang="sv-SE" altLang="zh-CN" sz="2400" dirty="0" smtClean="0"/>
+              <a:t>Contents of this chapter:</a:t>
+            </a:r>
+          </a:p>
+          <a:p>
+            <a:endParaRPr lang="sv-SE" altLang="zh-CN" sz="2400" dirty="0" smtClean="0"/>
+          </a:p>
+          <a:p>
+            <a:r>
+              <a:rPr lang="sv-SE" altLang="zh-CN" sz="2400" dirty="0" smtClean="0"/>
+              <a:t>1.1 Slide rule(multiplication, divition, forlong, forshort)</a:t>
+            </a:r>
+          </a:p>
+          <a:p>
+            <a:r>
+              <a:rPr lang="sv-SE" altLang="zh-CN" sz="2400" dirty="0" smtClean="0"/>
+              <a:t>1.2 The wallet extra(addition, subtraction, mod, compair, mode, median and average)</a:t>
+            </a:r>
+          </a:p>
+          <a:p>
+            <a:r>
+              <a:rPr lang="sv-SE" altLang="zh-CN" sz="2400" dirty="0" smtClean="0"/>
+              <a:t>1.3 Convertation table</a:t>
+            </a:r>
+          </a:p>
+          <a:p>
+            <a:r>
+              <a:rPr lang="sv-SE" altLang="zh-CN" sz="2400" dirty="0" smtClean="0"/>
+              <a:t>1.4 Time </a:t>
+            </a:r>
+            <a:r>
+              <a:rPr lang="sv-SE" altLang="zh-CN" sz="2400" dirty="0" smtClean="0"/>
+              <a:t>operator</a:t>
+            </a:r>
+            <a:endParaRPr lang="sv-SE" altLang="zh-CN" sz="2400" dirty="0" smtClean="0"/>
           </a:p>
         </p:txBody>
       </p:sp>
       <p:pic>
         <p:nvPicPr>
-          <p:cNvPr id="6" name="Picture 2"/>
+          <p:cNvPr id="5" name="Picture 2"/>
           <p:cNvPicPr>
             <a:picLocks noChangeAspect="1" noChangeArrowheads="1"/>
           </p:cNvPicPr>
@@ -4429,44 +4776,63 @@
           <a:lstStyle/>
           <a:p>
             <a:r>
-              <a:rPr lang="sv-SE" altLang="zh-CN" dirty="0" smtClean="0">
-                <a:effectLst>
-                  <a:outerShdw blurRad="38100" dist="38100" dir="2700000" algn="tl">
-                    <a:srgbClr val="000000">
-                      <a:alpha val="43137"/>
-                    </a:srgbClr>
-                  </a:outerShdw>
-                </a:effectLst>
-              </a:rPr>
-              <a:t>1. Battery free calculator</a:t>
-            </a:r>
-            <a:endParaRPr lang="zh-CN" altLang="en-US" dirty="0">
-              <a:effectLst>
-                <a:outerShdw blurRad="38100" dist="38100" dir="2700000" algn="tl">
-                  <a:srgbClr val="000000">
-                    <a:alpha val="43137"/>
-                  </a:srgbClr>
-                </a:outerShdw>
-              </a:effectLst>
-            </a:endParaRPr>
-          </a:p>
-        </p:txBody>
-      </p:sp>
-      <p:sp>
-        <p:nvSpPr>
-          <p:cNvPr id="4" name="TextBox 3"/>
-          <p:cNvSpPr txBox="1"/>
-          <p:nvPr/>
-        </p:nvSpPr>
-        <p:spPr>
-          <a:xfrm>
-            <a:off x="714348" y="1357298"/>
-            <a:ext cx="8286808" cy="4524315"/>
+              <a:rPr lang="sv-SE" altLang="zh-CN" dirty="0" smtClean="0"/>
+              <a:t>1.1 Piece 1 the slide rule</a:t>
+            </a:r>
+            <a:endParaRPr lang="zh-CN" altLang="en-US" dirty="0"/>
+          </a:p>
+        </p:txBody>
+      </p:sp>
+      <p:pic>
+        <p:nvPicPr>
+          <p:cNvPr id="2050" name="Picture 2"/>
+          <p:cNvPicPr>
+            <a:picLocks noGrp="1" noChangeAspect="1" noChangeArrowheads="1"/>
+          </p:cNvPicPr>
+          <p:nvPr>
+            <p:ph idx="1"/>
+          </p:nvPr>
+        </p:nvPicPr>
+        <p:blipFill>
+          <a:blip r:embed="rId2"/>
+          <a:srcRect/>
+          <a:stretch>
+            <a:fillRect/>
+          </a:stretch>
+        </p:blipFill>
+        <p:spPr bwMode="auto">
+          <a:xfrm>
+            <a:off x="500034" y="4071942"/>
+            <a:ext cx="8499076" cy="1357322"/>
           </a:xfrm>
           <a:prstGeom prst="rect">
             <a:avLst/>
           </a:prstGeom>
           <a:noFill/>
+          <a:ln w="9525">
+            <a:noFill/>
+            <a:miter lim="800000"/>
+            <a:headEnd/>
+            <a:tailEnd/>
+          </a:ln>
+          <a:effectLst/>
+        </p:spPr>
+      </p:pic>
+      <p:sp>
+        <p:nvSpPr>
+          <p:cNvPr id="6" name="TextBox 5"/>
+          <p:cNvSpPr txBox="1"/>
+          <p:nvPr/>
+        </p:nvSpPr>
+        <p:spPr>
+          <a:xfrm>
+            <a:off x="357158" y="1571612"/>
+            <a:ext cx="8501122" cy="2246769"/>
+          </a:xfrm>
+          <a:prstGeom prst="rect">
+            <a:avLst/>
+          </a:prstGeom>
+          <a:noFill/>
         </p:spPr>
         <p:txBody>
           <a:bodyPr wrap="square" rtlCol="0">
@@ -4475,75 +4841,64 @@
           <a:lstStyle/>
           <a:p>
             <a:r>
-              <a:rPr lang="sv-SE" altLang="zh-CN" sz="2400" dirty="0" smtClean="0"/>
-              <a:t>This calculator is not just a regular calculator, more like graphical calculator and it use no energy.</a:t>
-            </a:r>
-          </a:p>
-          <a:p>
-            <a:r>
-              <a:rPr lang="sv-SE" altLang="zh-CN" sz="2400" dirty="0" smtClean="0"/>
-              <a:t>The calculator seperates in PIECES.</a:t>
-            </a:r>
-          </a:p>
-          <a:p>
-            <a:endParaRPr lang="sv-SE" altLang="zh-CN" sz="2400" dirty="0" smtClean="0"/>
-          </a:p>
-          <a:p>
-            <a:r>
-              <a:rPr lang="sv-SE" altLang="zh-CN" sz="2400" dirty="0" smtClean="0"/>
-              <a:t>Contents of this chapter:</a:t>
-            </a:r>
-          </a:p>
-          <a:p>
-            <a:endParaRPr lang="sv-SE" altLang="zh-CN" sz="2400" dirty="0" smtClean="0"/>
-          </a:p>
-          <a:p>
-            <a:r>
-              <a:rPr lang="sv-SE" altLang="zh-CN" sz="2400" dirty="0" smtClean="0"/>
-              <a:t>1.1 Slide rule(multiplication, divition, forlong, forshort)</a:t>
-            </a:r>
-          </a:p>
-          <a:p>
-            <a:r>
-              <a:rPr lang="sv-SE" altLang="zh-CN" sz="2400" dirty="0" smtClean="0"/>
-              <a:t>1.2 The wallet extra(addition, subtraction, mod, compair, mode, median and average)</a:t>
-            </a:r>
-          </a:p>
-          <a:p>
-            <a:r>
-              <a:rPr lang="sv-SE" altLang="zh-CN" sz="2400" dirty="0" smtClean="0"/>
-              <a:t>1.3 Divition operaters</a:t>
-            </a:r>
-          </a:p>
-          <a:p>
-            <a:r>
-              <a:rPr lang="sv-SE" altLang="zh-CN" sz="2400" dirty="0" smtClean="0"/>
-              <a:t>1.4 draw circle diagram </a:t>
-            </a:r>
-            <a:r>
-              <a:rPr lang="sv-SE" altLang="zh-CN" sz="2400" dirty="0" smtClean="0"/>
-              <a:t>machine</a:t>
-            </a:r>
-            <a:endParaRPr lang="sv-SE" altLang="zh-CN" sz="2400" dirty="0" smtClean="0"/>
-          </a:p>
-          <a:p>
-            <a:r>
-              <a:rPr lang="sv-SE" altLang="zh-CN" sz="2400" dirty="0" smtClean="0"/>
-              <a:t>1.5 external events...</a:t>
-            </a:r>
+              <a:rPr lang="sv-SE" altLang="zh-CN" sz="2800" dirty="0" smtClean="0"/>
+              <a:t>The slide rule looks like below of this page this can do multiplication, divition, forshort a divition and forlong a divition. It seemed like low-technology but I chose it because it take no electricity. The only energy is when you move the ruler that is middle of the rule.</a:t>
+            </a:r>
+          </a:p>
+        </p:txBody>
+      </p:sp>
+      <p:sp>
+        <p:nvSpPr>
+          <p:cNvPr id="7" name="TextBox 6"/>
+          <p:cNvSpPr txBox="1"/>
+          <p:nvPr/>
+        </p:nvSpPr>
+        <p:spPr>
+          <a:xfrm>
+            <a:off x="2714612" y="3714752"/>
+            <a:ext cx="3205173" cy="369332"/>
+          </a:xfrm>
+          <a:prstGeom prst="rect">
+            <a:avLst/>
+          </a:prstGeom>
+          <a:noFill/>
+        </p:spPr>
+        <p:txBody>
+          <a:bodyPr wrap="none" rtlCol="0">
+            <a:spAutoFit/>
+          </a:bodyPr>
+          <a:lstStyle/>
+          <a:p>
+            <a:r>
+              <a:rPr lang="sv-SE" altLang="zh-CN" dirty="0" smtClean="0">
+                <a:solidFill>
+                  <a:schemeClr val="bg1">
+                    <a:lumMod val="65000"/>
+                  </a:schemeClr>
+                </a:solidFill>
+              </a:rPr>
+              <a:t>Here is the ruler below this text:</a:t>
+            </a:r>
+            <a:endParaRPr lang="zh-CN" altLang="en-US" dirty="0">
+              <a:solidFill>
+                <a:schemeClr val="bg1">
+                  <a:lumMod val="65000"/>
+                </a:schemeClr>
+              </a:solidFill>
+            </a:endParaRPr>
           </a:p>
         </p:txBody>
       </p:sp>
       <p:pic>
         <p:nvPicPr>
-          <p:cNvPr id="5" name="Picture 2"/>
+          <p:cNvPr id="9" name="Picture 2"/>
           <p:cNvPicPr>
             <a:picLocks noChangeAspect="1" noChangeArrowheads="1"/>
           </p:cNvPicPr>
           <p:nvPr/>
         </p:nvPicPr>
         <p:blipFill>
-          <a:blip r:embed="rId2"/>
+          <a:blip r:embed="rId3"/>
           <a:srcRect/>
           <a:stretch>
             <a:fillRect/>
@@ -4615,22 +4970,101 @@
           <a:lstStyle/>
           <a:p>
             <a:r>
+              <a:rPr lang="sv-SE" altLang="zh-CN" b="1" dirty="0" smtClean="0"/>
+              <a:t>1.2</a:t>
+            </a:r>
+            <a:r>
               <a:rPr lang="sv-SE" altLang="zh-CN" dirty="0" smtClean="0"/>
-              <a:t>1.1 Piece 1 the slide rule</a:t>
+              <a:t>/2.1 : The wallet extra</a:t>
             </a:r>
             <a:endParaRPr lang="zh-CN" altLang="en-US" dirty="0"/>
+          </a:p>
+        </p:txBody>
+      </p:sp>
+      <p:sp>
+        <p:nvSpPr>
+          <p:cNvPr id="3" name="内容占位符 2"/>
+          <p:cNvSpPr>
+            <a:spLocks noGrp="1"/>
+          </p:cNvSpPr>
+          <p:nvPr>
+            <p:ph idx="1"/>
+          </p:nvPr>
+        </p:nvSpPr>
+        <p:spPr>
+          <a:xfrm>
+            <a:off x="500034" y="1500174"/>
+            <a:ext cx="8229600" cy="4525963"/>
+          </a:xfrm>
+        </p:spPr>
+        <p:txBody>
+          <a:bodyPr>
+            <a:normAutofit/>
+          </a:bodyPr>
+          <a:lstStyle/>
+          <a:p>
+            <a:pPr>
+              <a:buNone/>
+            </a:pPr>
+            <a:r>
+              <a:rPr lang="sv-SE" altLang="zh-CN" sz="2000" dirty="0" smtClean="0">
+                <a:latin typeface="+mj-lt"/>
+                <a:ea typeface="+mj-ea"/>
+              </a:rPr>
+              <a:t>This can used by very many things:</a:t>
+            </a:r>
+            <a:endParaRPr lang="sv-SE" altLang="zh-CN" sz="2000" dirty="0">
+              <a:latin typeface="+mj-lt"/>
+              <a:ea typeface="+mj-ea"/>
+            </a:endParaRPr>
+          </a:p>
+          <a:p>
+            <a:pPr marL="457200" indent="-457200">
+              <a:buAutoNum type="arabicPeriod"/>
+            </a:pPr>
+            <a:r>
+              <a:rPr lang="sv-SE" altLang="zh-CN" sz="2000" b="1" dirty="0" smtClean="0">
+                <a:latin typeface="+mj-lt"/>
+                <a:ea typeface="+mj-ea"/>
+              </a:rPr>
+              <a:t>Math:</a:t>
+            </a:r>
+            <a:r>
+              <a:rPr lang="sv-SE" altLang="zh-CN" sz="2000" b="1" dirty="0">
+                <a:latin typeface="+mj-lt"/>
+                <a:ea typeface="+mj-ea"/>
+              </a:rPr>
+              <a:t> </a:t>
+            </a:r>
+            <a:r>
+              <a:rPr lang="sv-SE" altLang="zh-CN" sz="2000" b="1" dirty="0" smtClean="0">
+                <a:latin typeface="+mj-lt"/>
+                <a:ea typeface="+mj-ea"/>
+              </a:rPr>
+              <a:t>Addition, subtraction, conpair, mode, median and average, you should read the instructions to know how to handle this because in this presentation I had not write because of no space</a:t>
+            </a:r>
+          </a:p>
+          <a:p>
+            <a:pPr marL="457200" indent="-457200">
+              <a:buAutoNum type="arabicPeriod"/>
+            </a:pPr>
+            <a:r>
+              <a:rPr lang="sv-SE" altLang="zh-CN" sz="2000" i="1" dirty="0" smtClean="0">
+                <a:latin typeface="+mj-lt"/>
+                <a:ea typeface="+mj-ea"/>
+              </a:rPr>
+              <a:t>Encryption: You can use it for mapping and bitwise mapping</a:t>
+            </a:r>
           </a:p>
         </p:txBody>
       </p:sp>
       <p:pic>
         <p:nvPicPr>
-          <p:cNvPr id="2050" name="Picture 2"/>
+          <p:cNvPr id="4" name="Picture 2"/>
           <p:cNvPicPr>
-            <a:picLocks noGrp="1" noChangeAspect="1" noChangeArrowheads="1"/>
+            <a:picLocks noChangeAspect="1" noChangeArrowheads="1"/>
           </p:cNvPicPr>
-          <p:nvPr>
-            <p:ph idx="1"/>
-          </p:nvPr>
+          <p:nvPr/>
         </p:nvPicPr>
         <p:blipFill>
           <a:blip r:embed="rId2"/>
@@ -4641,8 +5075,8 @@
         </p:blipFill>
         <p:spPr bwMode="auto">
           <a:xfrm>
-            <a:off x="500034" y="4071942"/>
-            <a:ext cx="8499076" cy="1357322"/>
+            <a:off x="8014494" y="5500702"/>
+            <a:ext cx="930024" cy="1146129"/>
           </a:xfrm>
           <a:prstGeom prst="rect">
             <a:avLst/>
@@ -4657,80 +5091,9 @@
           <a:effectLst/>
         </p:spPr>
       </p:pic>
-      <p:sp>
-        <p:nvSpPr>
-          <p:cNvPr id="6" name="TextBox 5"/>
-          <p:cNvSpPr txBox="1"/>
-          <p:nvPr/>
-        </p:nvSpPr>
-        <p:spPr>
-          <a:xfrm>
-            <a:off x="357158" y="1571612"/>
-            <a:ext cx="8501122" cy="2246769"/>
-          </a:xfrm>
-          <a:prstGeom prst="rect">
-            <a:avLst/>
-          </a:prstGeom>
-          <a:noFill/>
-        </p:spPr>
-        <p:txBody>
-          <a:bodyPr wrap="square" rtlCol="0">
-            <a:spAutoFit/>
-          </a:bodyPr>
-          <a:lstStyle/>
-          <a:p>
-            <a:r>
-              <a:rPr lang="sv-SE" altLang="zh-CN" sz="2800" dirty="0" smtClean="0"/>
-              <a:t>The slide rule looks like below of this page this can do multiplication, divition, forshort a divition and forlong a divition. It seemed like low-technology but I chose it because it take no electricity. The only energy is when you move the ruler that is middle of the rule.</a:t>
-            </a:r>
-          </a:p>
-        </p:txBody>
-      </p:sp>
-      <p:sp>
-        <p:nvSpPr>
-          <p:cNvPr id="7" name="TextBox 6"/>
-          <p:cNvSpPr txBox="1"/>
-          <p:nvPr/>
-        </p:nvSpPr>
-        <p:spPr>
-          <a:xfrm>
-            <a:off x="2714612" y="3714752"/>
-            <a:ext cx="3205173" cy="369332"/>
-          </a:xfrm>
-          <a:prstGeom prst="rect">
-            <a:avLst/>
-          </a:prstGeom>
-          <a:noFill/>
-        </p:spPr>
-        <p:txBody>
-          <a:bodyPr wrap="none" rtlCol="0">
-            <a:spAutoFit/>
-          </a:bodyPr>
-          <a:lstStyle/>
-          <a:p>
-            <a:r>
-              <a:rPr lang="sv-SE" altLang="zh-CN" dirty="0" smtClean="0">
-                <a:solidFill>
-                  <a:schemeClr val="bg1">
-                    <a:lumMod val="65000"/>
-                  </a:schemeClr>
-                </a:solidFill>
-              </a:rPr>
-              <a:t>Here is the ruler below this text:</a:t>
-            </a:r>
-            <a:endParaRPr lang="zh-CN" altLang="en-US" dirty="0">
-              <a:solidFill>
-                <a:schemeClr val="bg1">
-                  <a:lumMod val="65000"/>
-                </a:schemeClr>
-              </a:solidFill>
-            </a:endParaRPr>
-          </a:p>
-        </p:txBody>
-      </p:sp>
       <p:pic>
         <p:nvPicPr>
-          <p:cNvPr id="9" name="Picture 2"/>
+          <p:cNvPr id="5122" name="Picture 2"/>
           <p:cNvPicPr>
             <a:picLocks noChangeAspect="1" noChangeArrowheads="1"/>
           </p:cNvPicPr>
@@ -4745,8 +5108,8 @@
         </p:blipFill>
         <p:spPr bwMode="auto">
           <a:xfrm>
-            <a:off x="8014494" y="5500702"/>
-            <a:ext cx="930024" cy="1146129"/>
+            <a:off x="357158" y="3929066"/>
+            <a:ext cx="5500726" cy="2808374"/>
           </a:xfrm>
           <a:prstGeom prst="rect">
             <a:avLst/>
@@ -4761,6 +5124,66 @@
           <a:effectLst/>
         </p:spPr>
       </p:pic>
+      <p:sp>
+        <p:nvSpPr>
+          <p:cNvPr id="6" name="TextBox 5"/>
+          <p:cNvSpPr txBox="1"/>
+          <p:nvPr/>
+        </p:nvSpPr>
+        <p:spPr>
+          <a:xfrm>
+            <a:off x="2714612" y="3214686"/>
+            <a:ext cx="4124078" cy="369332"/>
+          </a:xfrm>
+          <a:prstGeom prst="rect">
+            <a:avLst/>
+          </a:prstGeom>
+          <a:noFill/>
+        </p:spPr>
+        <p:txBody>
+          <a:bodyPr wrap="none" rtlCol="0">
+            <a:spAutoFit/>
+          </a:bodyPr>
+          <a:lstStyle/>
+          <a:p>
+            <a:r>
+              <a:rPr lang="sv-SE" altLang="zh-CN" b="1" dirty="0" smtClean="0"/>
+              <a:t>The bold text means focus of this chapter</a:t>
+            </a:r>
+            <a:endParaRPr lang="zh-CN" altLang="en-US" b="1" dirty="0"/>
+          </a:p>
+        </p:txBody>
+      </p:sp>
+      <p:sp>
+        <p:nvSpPr>
+          <p:cNvPr id="7" name="TextBox 6"/>
+          <p:cNvSpPr txBox="1"/>
+          <p:nvPr/>
+        </p:nvSpPr>
+        <p:spPr>
+          <a:xfrm>
+            <a:off x="857224" y="3571876"/>
+            <a:ext cx="7834517" cy="369332"/>
+          </a:xfrm>
+          <a:prstGeom prst="rect">
+            <a:avLst/>
+          </a:prstGeom>
+          <a:noFill/>
+        </p:spPr>
+        <p:txBody>
+          <a:bodyPr wrap="none" rtlCol="0">
+            <a:spAutoFit/>
+          </a:bodyPr>
+          <a:lstStyle/>
+          <a:p>
+            <a:r>
+              <a:rPr lang="sv-SE" altLang="zh-CN" i="1" dirty="0" smtClean="0"/>
+              <a:t>The italical text means you should know about the machine(piece) of this chapter</a:t>
+            </a:r>
+            <a:endParaRPr lang="zh-CN" altLang="en-US" i="1" dirty="0"/>
+          </a:p>
+        </p:txBody>
+      </p:sp>
     </p:spTree>
   </p:cSld>
   <p:clrMapOvr>
@@ -4809,104 +5232,16 @@
           <a:lstStyle/>
           <a:p>
             <a:r>
-              <a:rPr lang="sv-SE" altLang="zh-CN" b="1" dirty="0" smtClean="0"/>
-              <a:t>1.2</a:t>
-            </a:r>
-            <a:r>
               <a:rPr lang="sv-SE" altLang="zh-CN" dirty="0" smtClean="0"/>
-              <a:t>/2.1 : The wallet extra</a:t>
+              <a:t>1.3 Convertation table</a:t>
             </a:r>
             <a:endParaRPr lang="zh-CN" altLang="en-US" dirty="0"/>
-          </a:p>
-        </p:txBody>
-      </p:sp>
-      <p:sp>
-        <p:nvSpPr>
-          <p:cNvPr id="3" name="内容占位符 2"/>
-          <p:cNvSpPr>
-            <a:spLocks noGrp="1"/>
-          </p:cNvSpPr>
-          <p:nvPr>
-            <p:ph idx="1"/>
-          </p:nvPr>
-        </p:nvSpPr>
-        <p:spPr>
-          <a:xfrm>
-            <a:off x="500034" y="1500174"/>
-            <a:ext cx="8229600" cy="4525963"/>
-          </a:xfrm>
-        </p:spPr>
-        <p:txBody>
-          <a:bodyPr>
-            <a:normAutofit/>
-          </a:bodyPr>
-          <a:lstStyle/>
-          <a:p>
-            <a:pPr>
-              <a:buNone/>
-            </a:pPr>
-            <a:r>
-              <a:rPr lang="sv-SE" altLang="zh-CN" sz="2000" dirty="0" smtClean="0">
-                <a:latin typeface="+mj-lt"/>
-                <a:ea typeface="+mj-ea"/>
-              </a:rPr>
-              <a:t>This can used by very many things:</a:t>
-            </a:r>
-            <a:endParaRPr lang="sv-SE" altLang="zh-CN" sz="2000" dirty="0">
-              <a:latin typeface="+mj-lt"/>
-              <a:ea typeface="+mj-ea"/>
-            </a:endParaRPr>
-          </a:p>
-          <a:p>
-            <a:pPr marL="457200" indent="-457200">
-              <a:buAutoNum type="arabicPeriod"/>
-            </a:pPr>
-            <a:r>
-              <a:rPr lang="sv-SE" altLang="zh-CN" sz="2000" b="1" dirty="0" smtClean="0">
-                <a:latin typeface="+mj-lt"/>
-                <a:ea typeface="+mj-ea"/>
-              </a:rPr>
-              <a:t>Math:</a:t>
-            </a:r>
-            <a:r>
-              <a:rPr lang="sv-SE" altLang="zh-CN" sz="2000" b="1" dirty="0">
-                <a:latin typeface="+mj-lt"/>
-                <a:ea typeface="+mj-ea"/>
-              </a:rPr>
-              <a:t> </a:t>
-            </a:r>
-            <a:r>
-              <a:rPr lang="sv-SE" altLang="zh-CN" sz="2000" b="1" dirty="0" smtClean="0">
-                <a:latin typeface="+mj-lt"/>
-                <a:ea typeface="+mj-ea"/>
-              </a:rPr>
-              <a:t>Addition, subtraction, conpair, mode, median and average, you should read the instructions to know how to handle this because in this presentation I had not write because of no spac</a:t>
-            </a:r>
-            <a:r>
-              <a:rPr lang="sv-SE" altLang="zh-CN" sz="2000" dirty="0" smtClean="0">
-                <a:latin typeface="+mj-lt"/>
-                <a:ea typeface="+mj-ea"/>
-              </a:rPr>
-              <a:t>e</a:t>
-            </a:r>
-          </a:p>
-          <a:p>
-            <a:pPr marL="457200" indent="-457200">
-              <a:buAutoNum type="arabicPeriod"/>
-            </a:pPr>
-            <a:r>
-              <a:rPr lang="sv-SE" altLang="zh-CN" sz="2000" i="1" dirty="0" smtClean="0">
-                <a:latin typeface="+mj-lt"/>
-                <a:ea typeface="+mj-ea"/>
-              </a:rPr>
-              <a:t>Encryption: You can use it for mapping and bitwise mapping</a:t>
-            </a:r>
           </a:p>
         </p:txBody>
       </p:sp>
       <p:pic>
         <p:nvPicPr>
-          <p:cNvPr id="4" name="Picture 2"/>
+          <p:cNvPr id="7171" name="Picture 3"/>
           <p:cNvPicPr>
             <a:picLocks noChangeAspect="1" noChangeArrowheads="1"/>
           </p:cNvPicPr>
@@ -4921,8 +5256,8 @@
         </p:blipFill>
         <p:spPr bwMode="auto">
           <a:xfrm>
-            <a:off x="8014494" y="5500702"/>
-            <a:ext cx="930024" cy="1146129"/>
+            <a:off x="253534" y="5214950"/>
+            <a:ext cx="8504692" cy="1264587"/>
           </a:xfrm>
           <a:prstGeom prst="rect">
             <a:avLst/>
@@ -4937,104 +5272,42 @@
           <a:effectLst/>
         </p:spPr>
       </p:pic>
-      <p:pic>
-        <p:nvPicPr>
-          <p:cNvPr id="5122" name="Picture 2"/>
-          <p:cNvPicPr>
-            <a:picLocks noChangeAspect="1" noChangeArrowheads="1"/>
-          </p:cNvPicPr>
+      <p:sp>
+        <p:nvSpPr>
+          <p:cNvPr id="8" name="TextBox 7"/>
+          <p:cNvSpPr txBox="1"/>
           <p:nvPr/>
-        </p:nvPicPr>
-        <p:blipFill>
-          <a:blip r:embed="rId3"/>
-          <a:srcRect/>
-          <a:stretch>
-            <a:fillRect/>
-          </a:stretch>
-        </p:blipFill>
-        <p:spPr bwMode="auto">
-          <a:xfrm>
-            <a:off x="357158" y="3929066"/>
-            <a:ext cx="5500726" cy="2808374"/>
+        </p:nvSpPr>
+        <p:spPr>
+          <a:xfrm>
+            <a:off x="285720" y="1428736"/>
+            <a:ext cx="8715436" cy="2677656"/>
           </a:xfrm>
           <a:prstGeom prst="rect">
             <a:avLst/>
           </a:prstGeom>
           <a:noFill/>
-          <a:ln w="9525">
-            <a:noFill/>
-            <a:miter lim="800000"/>
-            <a:headEnd/>
-            <a:tailEnd/>
-          </a:ln>
-          <a:effectLst/>
-        </p:spPr>
-      </p:pic>
-      <p:sp>
-        <p:nvSpPr>
-          <p:cNvPr id="6" name="TextBox 5"/>
-          <p:cNvSpPr txBox="1"/>
-          <p:nvPr/>
-        </p:nvSpPr>
-        <p:spPr>
-          <a:xfrm>
-            <a:off x="2714612" y="3214686"/>
-            <a:ext cx="4124078" cy="369332"/>
-          </a:xfrm>
-          <a:prstGeom prst="rect">
-            <a:avLst/>
-          </a:prstGeom>
-          <a:noFill/>
-        </p:spPr>
-        <p:txBody>
-          <a:bodyPr wrap="none" rtlCol="0">
+        </p:spPr>
+        <p:txBody>
+          <a:bodyPr wrap="square" rtlCol="0">
             <a:spAutoFit/>
           </a:bodyPr>
           <a:lstStyle/>
           <a:p>
             <a:r>
-              <a:rPr lang="sv-SE" altLang="zh-CN" b="1" dirty="0" smtClean="0"/>
-              <a:t>The bold text means focus of this chapter</a:t>
-            </a:r>
-            <a:endParaRPr lang="zh-CN" altLang="en-US" b="1" dirty="0"/>
-          </a:p>
-        </p:txBody>
-      </p:sp>
-      <p:sp>
-        <p:nvSpPr>
-          <p:cNvPr id="7" name="TextBox 6"/>
-          <p:cNvSpPr txBox="1"/>
-          <p:nvPr/>
-        </p:nvSpPr>
-        <p:spPr>
-          <a:xfrm>
-            <a:off x="857224" y="3571876"/>
-            <a:ext cx="7834517" cy="369332"/>
-          </a:xfrm>
-          <a:prstGeom prst="rect">
-            <a:avLst/>
-          </a:prstGeom>
-          <a:noFill/>
-        </p:spPr>
-        <p:txBody>
-          <a:bodyPr wrap="none" rtlCol="0">
-            <a:spAutoFit/>
-          </a:bodyPr>
-          <a:lstStyle/>
-          <a:p>
-            <a:r>
-              <a:rPr lang="sv-SE" altLang="zh-CN" i="1" dirty="0" smtClean="0"/>
-              <a:t>The italical text means you should know about the </a:t>
-            </a:r>
-            <a:r>
-              <a:rPr lang="sv-SE" altLang="zh-CN" i="1" dirty="0" smtClean="0"/>
-              <a:t>machine(piece</a:t>
-            </a:r>
-            <a:r>
-              <a:rPr lang="sv-SE" altLang="zh-CN" i="1" dirty="0" smtClean="0"/>
-              <a:t>) of this chapter</a:t>
-            </a:r>
-            <a:endParaRPr lang="zh-CN" altLang="en-US" i="1" dirty="0"/>
+              <a:rPr lang="sv-SE" altLang="zh-CN" sz="2800" dirty="0" smtClean="0"/>
+              <a:t>If you want to convertation and you didn’t know the scale of two units, you should use this machine. You can convertate </a:t>
+            </a:r>
+            <a:r>
+              <a:rPr lang="en-US" sz="2800" dirty="0" smtClean="0"/>
+              <a:t>weight, length, temperature, speed, volume and more.</a:t>
+            </a:r>
+          </a:p>
+          <a:p>
+            <a:r>
+              <a:rPr lang="sv-SE" altLang="zh-CN" sz="2800" dirty="0" smtClean="0"/>
+              <a:t>This will also looks like low-technology like the slide rule at 1.1 but it don’t use any power.</a:t>
+            </a:r>
           </a:p>
         </p:txBody>
       </p:sp>
@@ -5043,6 +5316,7 @@
   <p:clrMapOvr>
     <a:masterClrMapping/>
   </p:clrMapOvr>
+  <p:transition/>
   <p:timing>
     <p:tnLst>
       <p:par>
@@ -5087,7 +5361,7 @@
           <a:p>
             <a:r>
               <a:rPr lang="sv-SE" altLang="zh-CN" dirty="0" smtClean="0"/>
-              <a:t>1.3: Divition operators</a:t>
+              <a:t>1.4 Time operators</a:t>
             </a:r>
             <a:endParaRPr lang="zh-CN" altLang="en-US" dirty="0"/>
           </a:p>
@@ -5095,38 +5369,41 @@
       </p:sp>
       <p:sp>
         <p:nvSpPr>
-          <p:cNvPr id="3" name="内容占位符 2"/>
-          <p:cNvSpPr>
-            <a:spLocks noGrp="1"/>
-          </p:cNvSpPr>
-          <p:nvPr>
-            <p:ph idx="1"/>
-          </p:nvPr>
-        </p:nvSpPr>
-        <p:spPr/>
-        <p:txBody>
-          <a:bodyPr/>
-          <a:lstStyle/>
-          <a:p>
-            <a:pPr>
-              <a:buNone/>
-            </a:pPr>
+          <p:cNvPr id="5" name="TextBox 4"/>
+          <p:cNvSpPr txBox="1"/>
+          <p:nvPr/>
+        </p:nvSpPr>
+        <p:spPr>
+          <a:xfrm>
+            <a:off x="642910" y="1785926"/>
+            <a:ext cx="4987584" cy="369332"/>
+          </a:xfrm>
+          <a:prstGeom prst="rect">
+            <a:avLst/>
+          </a:prstGeom>
+          <a:noFill/>
+        </p:spPr>
+        <p:txBody>
+          <a:bodyPr wrap="none" rtlCol="0">
+            <a:spAutoFit/>
+          </a:bodyPr>
+          <a:lstStyle/>
+          <a:p>
             <a:r>
               <a:rPr lang="sv-SE" altLang="zh-CN" dirty="0" smtClean="0"/>
-              <a:t>This is use for divition for example</a:t>
-            </a:r>
-          </a:p>
-          <a:p>
-            <a:pPr>
-              <a:buNone/>
-            </a:pPr>
-            <a:r>
-              <a:rPr lang="sv-SE" altLang="zh-CN" dirty="0"/>
-              <a:t>a</a:t>
+              <a:t>Using this </a:t>
             </a:r>
             <a:r>
               <a:rPr lang="sv-SE" altLang="zh-CN" dirty="0" smtClean="0"/>
-              <a:t>nd                    and more.</a:t>
+              <a:t>slide rule I </a:t>
+            </a:r>
+            <a:r>
+              <a:rPr lang="sv-SE" altLang="zh-CN" dirty="0" smtClean="0"/>
+              <a:t>can add and subtract the </a:t>
+            </a:r>
+            <a:r>
+              <a:rPr lang="sv-SE" altLang="zh-CN" dirty="0" smtClean="0"/>
+              <a:t>time</a:t>
             </a:r>
             <a:endParaRPr lang="zh-CN" altLang="en-US" dirty="0"/>
           </a:p>
@@ -5134,7 +5411,7 @@
       </p:sp>
       <p:pic>
         <p:nvPicPr>
-          <p:cNvPr id="4" name="Picture 2"/>
+          <p:cNvPr id="9217" name="Picture 1"/>
           <p:cNvPicPr>
             <a:picLocks noChangeAspect="1" noChangeArrowheads="1"/>
           </p:cNvPicPr>
@@ -5149,8 +5426,8 @@
         </p:blipFill>
         <p:spPr bwMode="auto">
           <a:xfrm>
-            <a:off x="8014494" y="5500702"/>
-            <a:ext cx="930024" cy="1146129"/>
+            <a:off x="571472" y="2285992"/>
+            <a:ext cx="7842248" cy="4411264"/>
           </a:xfrm>
           <a:prstGeom prst="rect">
             <a:avLst/>
@@ -5165,140 +5442,12 @@
           <a:effectLst/>
         </p:spPr>
       </p:pic>
-      <p:pic>
-        <p:nvPicPr>
-          <p:cNvPr id="6147" name="Picture 3"/>
-          <p:cNvPicPr>
-            <a:picLocks noChangeAspect="1" noChangeArrowheads="1"/>
-          </p:cNvPicPr>
-          <p:nvPr/>
-        </p:nvPicPr>
-        <p:blipFill>
-          <a:blip r:embed="rId3"/>
-          <a:srcRect/>
-          <a:stretch>
-            <a:fillRect/>
-          </a:stretch>
-        </p:blipFill>
-        <p:spPr bwMode="auto">
-          <a:xfrm>
-            <a:off x="285720" y="4714884"/>
-            <a:ext cx="2409820" cy="1895529"/>
-          </a:xfrm>
-          <a:prstGeom prst="rect">
-            <a:avLst/>
-          </a:prstGeom>
-          <a:noFill/>
-          <a:ln w="9525">
-            <a:noFill/>
-            <a:miter lim="800000"/>
-            <a:headEnd/>
-            <a:tailEnd/>
-          </a:ln>
-          <a:effectLst/>
-        </p:spPr>
-      </p:pic>
-      <p:pic>
-        <p:nvPicPr>
-          <p:cNvPr id="6148" name="Picture 4"/>
-          <p:cNvPicPr>
-            <a:picLocks noChangeAspect="1" noChangeArrowheads="1"/>
-          </p:cNvPicPr>
-          <p:nvPr/>
-        </p:nvPicPr>
-        <p:blipFill>
-          <a:blip r:embed="rId4"/>
-          <a:srcRect/>
-          <a:stretch>
-            <a:fillRect/>
-          </a:stretch>
-        </p:blipFill>
-        <p:spPr bwMode="auto">
-          <a:xfrm>
-            <a:off x="6643702" y="1500174"/>
-            <a:ext cx="1447797" cy="845161"/>
-          </a:xfrm>
-          <a:prstGeom prst="rect">
-            <a:avLst/>
-          </a:prstGeom>
-          <a:noFill/>
-          <a:ln w="9525">
-            <a:noFill/>
-            <a:miter lim="800000"/>
-            <a:headEnd/>
-            <a:tailEnd/>
-          </a:ln>
-          <a:effectLst/>
-        </p:spPr>
-      </p:pic>
-      <p:pic>
-        <p:nvPicPr>
-          <p:cNvPr id="6149" name="Picture 5"/>
-          <p:cNvPicPr>
-            <a:picLocks noChangeAspect="1" noChangeArrowheads="1"/>
-          </p:cNvPicPr>
-          <p:nvPr/>
-        </p:nvPicPr>
-        <p:blipFill>
-          <a:blip r:embed="rId5"/>
-          <a:srcRect/>
-          <a:stretch>
-            <a:fillRect/>
-          </a:stretch>
-        </p:blipFill>
-        <p:spPr bwMode="auto">
-          <a:xfrm>
-            <a:off x="1357290" y="2214554"/>
-            <a:ext cx="1543050" cy="542925"/>
-          </a:xfrm>
-          <a:prstGeom prst="rect">
-            <a:avLst/>
-          </a:prstGeom>
-          <a:noFill/>
-          <a:ln w="9525">
-            <a:noFill/>
-            <a:miter lim="800000"/>
-            <a:headEnd/>
-            <a:tailEnd/>
-          </a:ln>
-          <a:effectLst/>
-        </p:spPr>
-      </p:pic>
-      <p:sp>
-        <p:nvSpPr>
-          <p:cNvPr id="9" name="TextBox 8"/>
-          <p:cNvSpPr txBox="1"/>
-          <p:nvPr/>
-        </p:nvSpPr>
-        <p:spPr>
-          <a:xfrm>
-            <a:off x="571472" y="4286256"/>
-            <a:ext cx="2928943" cy="369332"/>
-          </a:xfrm>
-          <a:prstGeom prst="rect">
-            <a:avLst/>
-          </a:prstGeom>
-          <a:noFill/>
-        </p:spPr>
-        <p:txBody>
-          <a:bodyPr wrap="none" rtlCol="0">
-            <a:spAutoFit/>
-          </a:bodyPr>
-          <a:lstStyle/>
-          <a:p>
-            <a:r>
-              <a:rPr lang="sv-SE" altLang="zh-CN" dirty="0" smtClean="0"/>
-              <a:t>I had no idea to make this pic</a:t>
-            </a:r>
-            <a:endParaRPr lang="zh-CN" altLang="en-US" dirty="0"/>
-          </a:p>
-        </p:txBody>
-      </p:sp>
     </p:spTree>
   </p:cSld>
   <p:clrMapOvr>
     <a:masterClrMapping/>
   </p:clrMapOvr>
+  <p:transition/>
   <p:timing>
     <p:tnLst>
       <p:par>
@@ -5338,72 +5487,100 @@
         </p:nvSpPr>
         <p:spPr/>
         <p:txBody>
-          <a:bodyPr>
-            <a:normAutofit fontScale="90000"/>
+          <a:bodyPr/>
+          <a:lstStyle/>
+          <a:p>
+            <a:r>
+              <a:rPr lang="sv-SE" altLang="zh-CN" dirty="0" smtClean="0">
+                <a:effectLst>
+                  <a:outerShdw blurRad="38100" dist="38100" dir="2700000" algn="tl">
+                    <a:srgbClr val="000000">
+                      <a:alpha val="43137"/>
+                    </a:srgbClr>
+                  </a:outerShdw>
+                </a:effectLst>
+              </a:rPr>
+              <a:t>2. The encryption machine</a:t>
+            </a:r>
+            <a:endParaRPr lang="zh-CN" altLang="en-US" dirty="0">
+              <a:effectLst>
+                <a:outerShdw blurRad="38100" dist="38100" dir="2700000" algn="tl">
+                  <a:srgbClr val="000000">
+                    <a:alpha val="43137"/>
+                  </a:srgbClr>
+                </a:outerShdw>
+              </a:effectLst>
+            </a:endParaRPr>
+          </a:p>
+        </p:txBody>
+      </p:sp>
+      <p:sp>
+        <p:nvSpPr>
+          <p:cNvPr id="5" name="TextBox 4"/>
+          <p:cNvSpPr txBox="1"/>
+          <p:nvPr/>
+        </p:nvSpPr>
+        <p:spPr>
+          <a:xfrm>
+            <a:off x="214282" y="1357298"/>
+            <a:ext cx="8715436" cy="3539430"/>
+          </a:xfrm>
+          <a:prstGeom prst="rect">
+            <a:avLst/>
+          </a:prstGeom>
+          <a:noFill/>
+        </p:spPr>
+        <p:txBody>
+          <a:bodyPr wrap="square" rtlCol="0">
+            <a:spAutoFit/>
           </a:bodyPr>
           <a:lstStyle/>
           <a:p>
             <a:r>
-              <a:rPr lang="sv-SE" altLang="zh-CN" dirty="0" smtClean="0"/>
-              <a:t>1.4: The draw circlediagram </a:t>
-            </a:r>
-            <a:r>
-              <a:rPr lang="sv-SE" altLang="zh-CN" dirty="0" smtClean="0"/>
-              <a:t>machine </a:t>
-            </a:r>
-            <a:endParaRPr lang="zh-CN" altLang="en-US" dirty="0"/>
-          </a:p>
-        </p:txBody>
-      </p:sp>
-      <p:sp>
-        <p:nvSpPr>
-          <p:cNvPr id="3" name="内容占位符 2"/>
-          <p:cNvSpPr>
-            <a:spLocks noGrp="1"/>
-          </p:cNvSpPr>
-          <p:nvPr>
-            <p:ph idx="1"/>
-          </p:nvPr>
-        </p:nvSpPr>
-        <p:spPr/>
-        <p:txBody>
-          <a:bodyPr/>
-          <a:lstStyle/>
-          <a:p>
-            <a:pPr>
-              <a:buNone/>
-            </a:pPr>
-            <a:r>
-              <a:rPr lang="sv-SE" altLang="zh-CN" dirty="0" smtClean="0"/>
-              <a:t>This is a </a:t>
-            </a:r>
-            <a:r>
-              <a:rPr lang="sv-SE" altLang="zh-CN" dirty="0" smtClean="0"/>
-              <a:t>machine </a:t>
-            </a:r>
-            <a:r>
-              <a:rPr lang="sv-SE" altLang="zh-CN" dirty="0" smtClean="0"/>
-              <a:t>in statistic and this pictrue and </a:t>
-            </a:r>
-          </a:p>
-          <a:p>
-            <a:pPr>
-              <a:buNone/>
-            </a:pPr>
-            <a:r>
-              <a:rPr lang="sv-SE" altLang="zh-CN" dirty="0"/>
-              <a:t>t</a:t>
-            </a:r>
-            <a:r>
-              <a:rPr lang="sv-SE" altLang="zh-CN" dirty="0" smtClean="0"/>
-              <a:t>his will make easier to make the circle diagram.</a:t>
-            </a:r>
+              <a:rPr lang="sv-SE" altLang="zh-CN" sz="2800" dirty="0" smtClean="0"/>
+              <a:t>This machine used by to encode and decode texts. The first piece is combined with the computer</a:t>
+            </a:r>
+          </a:p>
+          <a:p>
+            <a:endParaRPr lang="sv-SE" altLang="zh-CN" sz="2800" dirty="0" smtClean="0"/>
+          </a:p>
+          <a:p>
+            <a:r>
+              <a:rPr lang="sv-SE" altLang="zh-CN" sz="2800" dirty="0" smtClean="0"/>
+              <a:t>Contents of this chapter:</a:t>
+            </a:r>
+          </a:p>
+          <a:p>
+            <a:endParaRPr lang="sv-SE" altLang="zh-CN" sz="2800" dirty="0" smtClean="0"/>
+          </a:p>
+          <a:p>
+            <a:r>
+              <a:rPr lang="sv-SE" altLang="zh-CN" sz="2800" dirty="0" smtClean="0"/>
+              <a:t>2.1 The wallet extra(mapping, bitwise mapping)</a:t>
+            </a:r>
+          </a:p>
+          <a:p>
+            <a:r>
+              <a:rPr lang="sv-SE" altLang="zh-CN" sz="2800" dirty="0" smtClean="0">
+                <a:solidFill>
+                  <a:srgbClr val="FF0000"/>
+                </a:solidFill>
+              </a:rPr>
+              <a:t>2.2 The slide rule extra(bitwise transposition)</a:t>
+            </a:r>
+          </a:p>
+          <a:p>
+            <a:r>
+              <a:rPr lang="sv-SE" altLang="zh-CN" sz="2800" dirty="0" smtClean="0"/>
+              <a:t>2.3 The nextstep rule(transposition)</a:t>
+            </a:r>
+            <a:endParaRPr lang="zh-CN" altLang="en-US" sz="2800" dirty="0"/>
           </a:p>
         </p:txBody>
       </p:sp>
       <p:pic>
         <p:nvPicPr>
-          <p:cNvPr id="4" name="Picture 2"/>
+          <p:cNvPr id="6" name="Picture 2"/>
           <p:cNvPicPr>
             <a:picLocks noChangeAspect="1" noChangeArrowheads="1"/>
           </p:cNvPicPr>
@@ -5420,39 +5597,6 @@
           <a:xfrm>
             <a:off x="8014494" y="5500702"/>
             <a:ext cx="930024" cy="1146129"/>
-          </a:xfrm>
-          <a:prstGeom prst="rect">
-            <a:avLst/>
-          </a:prstGeom>
-          <a:noFill/>
-          <a:ln w="9525">
-            <a:noFill/>
-            <a:miter lim="800000"/>
-            <a:headEnd/>
-            <a:tailEnd/>
-          </a:ln>
-          <a:effectLst/>
-        </p:spPr>
-      </p:pic>
-      <p:pic>
-        <p:nvPicPr>
-          <p:cNvPr id="7170" name="Picture 2"/>
-          <p:cNvPicPr>
-            <a:picLocks noChangeAspect="1" noChangeArrowheads="1"/>
-          </p:cNvPicPr>
-          <p:nvPr/>
-        </p:nvPicPr>
-        <p:blipFill>
-          <a:blip r:embed="rId3" cstate="print"/>
-          <a:srcRect/>
-          <a:stretch>
-            <a:fillRect/>
-          </a:stretch>
-        </p:blipFill>
-        <p:spPr bwMode="auto">
-          <a:xfrm>
-            <a:off x="785786" y="4286256"/>
-            <a:ext cx="3984628" cy="2241353"/>
           </a:xfrm>
           <a:prstGeom prst="rect">
             <a:avLst/>
@@ -5515,12 +5659,12 @@
           <a:lstStyle/>
           <a:p>
             <a:r>
+              <a:rPr lang="sv-SE" altLang="zh-CN" b="1" dirty="0" smtClean="0"/>
+              <a:t>2.1</a:t>
+            </a:r>
+            <a:r>
               <a:rPr lang="sv-SE" altLang="zh-CN" dirty="0" smtClean="0"/>
-              <a:t>2. The encryption </a:t>
-            </a:r>
-            <a:r>
-              <a:rPr lang="sv-SE" altLang="zh-CN" dirty="0" smtClean="0"/>
-              <a:t>machine</a:t>
+              <a:t>/1.2 : The wallet extra</a:t>
             </a:r>
             <a:endParaRPr lang="zh-CN" altLang="en-US" dirty="0"/>
           </a:p>
@@ -5528,75 +5672,84 @@
       </p:sp>
       <p:sp>
         <p:nvSpPr>
-          <p:cNvPr id="5" name="TextBox 4"/>
-          <p:cNvSpPr txBox="1"/>
-          <p:nvPr/>
+          <p:cNvPr id="3" name="内容占位符 2"/>
+          <p:cNvSpPr>
+            <a:spLocks noGrp="1"/>
+          </p:cNvSpPr>
+          <p:nvPr>
+            <p:ph idx="1"/>
+          </p:nvPr>
         </p:nvSpPr>
         <p:spPr>
           <a:xfrm>
-            <a:off x="214282" y="1357298"/>
-            <a:ext cx="8715436" cy="3539430"/>
-          </a:xfrm>
-          <a:prstGeom prst="rect">
-            <a:avLst/>
-          </a:prstGeom>
-          <a:noFill/>
-        </p:spPr>
-        <p:txBody>
-          <a:bodyPr wrap="square" rtlCol="0">
-            <a:spAutoFit/>
+            <a:off x="500034" y="1500174"/>
+            <a:ext cx="8229600" cy="4525963"/>
+          </a:xfrm>
+        </p:spPr>
+        <p:txBody>
+          <a:bodyPr>
+            <a:normAutofit/>
           </a:bodyPr>
           <a:lstStyle/>
           <a:p>
-            <a:r>
-              <a:rPr lang="sv-SE" altLang="zh-CN" sz="2800" dirty="0" smtClean="0"/>
-              <a:t>This </a:t>
-            </a:r>
-            <a:r>
-              <a:rPr lang="sv-SE" altLang="zh-CN" sz="2800" dirty="0" smtClean="0"/>
-              <a:t>machine </a:t>
-            </a:r>
-            <a:r>
-              <a:rPr lang="sv-SE" altLang="zh-CN" sz="2800" dirty="0" smtClean="0"/>
-              <a:t>used by to encode and decode texts. The first piece is combined with the computer</a:t>
-            </a:r>
-          </a:p>
-          <a:p>
-            <a:endParaRPr lang="sv-SE" altLang="zh-CN" sz="2800" dirty="0" smtClean="0"/>
-          </a:p>
-          <a:p>
-            <a:r>
-              <a:rPr lang="sv-SE" altLang="zh-CN" sz="2800" dirty="0" smtClean="0"/>
-              <a:t>Contents of this chapter:</a:t>
-            </a:r>
-          </a:p>
-          <a:p>
-            <a:endParaRPr lang="sv-SE" altLang="zh-CN" sz="2800" dirty="0" smtClean="0"/>
-          </a:p>
-          <a:p>
-            <a:r>
-              <a:rPr lang="sv-SE" altLang="zh-CN" sz="2800" dirty="0" smtClean="0"/>
-              <a:t>2.1 The wallet extra(mapping, bitwise mapping)</a:t>
-            </a:r>
-          </a:p>
-          <a:p>
-            <a:r>
-              <a:rPr lang="sv-SE" altLang="zh-CN" sz="2800" dirty="0" smtClean="0"/>
-              <a:t>2.2 The slide rule extra(bitwise transposition)</a:t>
-            </a:r>
-          </a:p>
-          <a:p>
-            <a:r>
-              <a:rPr lang="sv-SE" altLang="zh-CN" sz="2800" dirty="0" smtClean="0"/>
-              <a:t>2.3 The nextstep rule(transposition)</a:t>
-            </a:r>
-            <a:endParaRPr lang="zh-CN" altLang="en-US" sz="2800" dirty="0"/>
+            <a:pPr>
+              <a:buNone/>
+            </a:pPr>
+            <a:r>
+              <a:rPr lang="sv-SE" altLang="zh-CN" sz="2000" dirty="0" smtClean="0">
+                <a:latin typeface="+mj-lt"/>
+                <a:ea typeface="+mj-ea"/>
+              </a:rPr>
+              <a:t>This can used by very many things:</a:t>
+            </a:r>
+            <a:endParaRPr lang="sv-SE" altLang="zh-CN" sz="2000" dirty="0">
+              <a:latin typeface="+mj-lt"/>
+              <a:ea typeface="+mj-ea"/>
+            </a:endParaRPr>
+          </a:p>
+          <a:p>
+            <a:pPr marL="457200" indent="-457200">
+              <a:buAutoNum type="arabicPeriod"/>
+            </a:pPr>
+            <a:r>
+              <a:rPr lang="sv-SE" altLang="zh-CN" sz="2000" i="1" dirty="0" smtClean="0">
+                <a:latin typeface="+mj-lt"/>
+                <a:ea typeface="+mj-ea"/>
+              </a:rPr>
+              <a:t>Math:</a:t>
+            </a:r>
+            <a:r>
+              <a:rPr lang="sv-SE" altLang="zh-CN" sz="2000" i="1" dirty="0">
+                <a:latin typeface="+mj-lt"/>
+                <a:ea typeface="+mj-ea"/>
+              </a:rPr>
+              <a:t> </a:t>
+            </a:r>
+            <a:r>
+              <a:rPr lang="sv-SE" altLang="zh-CN" sz="2000" i="1" dirty="0" smtClean="0">
+                <a:latin typeface="+mj-lt"/>
+                <a:ea typeface="+mj-ea"/>
+              </a:rPr>
+              <a:t>Addition, subtraction, conpair, mode, median and average, you should read the instructions to know how to handle this because in this presentation I had not write because of no space</a:t>
+            </a:r>
+          </a:p>
+          <a:p>
+            <a:pPr marL="457200" indent="-457200">
+              <a:buAutoNum type="arabicPeriod"/>
+            </a:pPr>
+            <a:r>
+              <a:rPr lang="sv-SE" altLang="zh-CN" sz="2000" b="1" dirty="0" smtClean="0">
+                <a:latin typeface="+mj-lt"/>
+                <a:ea typeface="+mj-ea"/>
+              </a:rPr>
+              <a:t>Encryption: You can use it for mapping and bitwise mapping</a:t>
+            </a:r>
           </a:p>
         </p:txBody>
       </p:sp>
       <p:pic>
         <p:nvPicPr>
-          <p:cNvPr id="6" name="Picture 2"/>
+          <p:cNvPr id="4" name="Picture 2"/>
           <p:cNvPicPr>
             <a:picLocks noChangeAspect="1" noChangeArrowheads="1"/>
           </p:cNvPicPr>
@@ -5627,6 +5780,99 @@
           <a:effectLst/>
         </p:spPr>
       </p:pic>
+      <p:pic>
+        <p:nvPicPr>
+          <p:cNvPr id="5122" name="Picture 2"/>
+          <p:cNvPicPr>
+            <a:picLocks noChangeAspect="1" noChangeArrowheads="1"/>
+          </p:cNvPicPr>
+          <p:nvPr/>
+        </p:nvPicPr>
+        <p:blipFill>
+          <a:blip r:embed="rId3"/>
+          <a:srcRect/>
+          <a:stretch>
+            <a:fillRect/>
+          </a:stretch>
+        </p:blipFill>
+        <p:spPr bwMode="auto">
+          <a:xfrm>
+            <a:off x="357158" y="3929066"/>
+            <a:ext cx="5500726" cy="2808374"/>
+          </a:xfrm>
+          <a:prstGeom prst="rect">
+            <a:avLst/>
+          </a:prstGeom>
+          <a:noFill/>
+          <a:ln w="9525">
+            <a:noFill/>
+            <a:miter lim="800000"/>
+            <a:headEnd/>
+            <a:tailEnd/>
+          </a:ln>
+          <a:effectLst/>
+        </p:spPr>
+      </p:pic>
+      <p:sp>
+        <p:nvSpPr>
+          <p:cNvPr id="6" name="TextBox 5"/>
+          <p:cNvSpPr txBox="1"/>
+          <p:nvPr/>
+        </p:nvSpPr>
+        <p:spPr>
+          <a:xfrm>
+            <a:off x="2714612" y="3214686"/>
+            <a:ext cx="4124078" cy="369332"/>
+          </a:xfrm>
+          <a:prstGeom prst="rect">
+            <a:avLst/>
+          </a:prstGeom>
+          <a:noFill/>
+        </p:spPr>
+        <p:txBody>
+          <a:bodyPr wrap="none" rtlCol="0">
+            <a:spAutoFit/>
+          </a:bodyPr>
+          <a:lstStyle/>
+          <a:p>
+            <a:r>
+              <a:rPr lang="sv-SE" altLang="zh-CN" b="1" dirty="0" smtClean="0"/>
+              <a:t>The bold text means focus of this chapter</a:t>
+            </a:r>
+            <a:endParaRPr lang="zh-CN" altLang="en-US" b="1" dirty="0"/>
+          </a:p>
+        </p:txBody>
+      </p:sp>
+      <p:sp>
+        <p:nvSpPr>
+          <p:cNvPr id="7" name="TextBox 6"/>
+          <p:cNvSpPr txBox="1"/>
+          <p:nvPr/>
+        </p:nvSpPr>
+        <p:spPr>
+          <a:xfrm>
+            <a:off x="857224" y="3571876"/>
+            <a:ext cx="7738337" cy="369332"/>
+          </a:xfrm>
+          <a:prstGeom prst="rect">
+            <a:avLst/>
+          </a:prstGeom>
+          <a:noFill/>
+        </p:spPr>
+        <p:txBody>
+          <a:bodyPr wrap="none" rtlCol="0">
+            <a:spAutoFit/>
+          </a:bodyPr>
+          <a:lstStyle/>
+          <a:p>
+            <a:r>
+              <a:rPr lang="sv-SE" altLang="zh-CN" i="1" dirty="0" smtClean="0"/>
+              <a:t>The italical text means you should know about the machine(piece) of this chapter</a:t>
+            </a:r>
+            <a:endParaRPr lang="zh-CN" altLang="en-US" i="1" dirty="0"/>
+          </a:p>
+        </p:txBody>
+      </p:sp>
     </p:spTree>
   </p:cSld>
   <p:clrMapOvr>
@@ -5923,4 +6169,287 @@
   <a:objectDefaults/>
   <a:extraClrSchemeLst/>
 </a:theme>
+</file>
+
+<file path=ppt/theme/theme2.xml><?xml version="1.0" encoding="utf-8"?>
+<a:theme xmlns:a="http://schemas.openxmlformats.org/drawingml/2006/main" name="Office 主题">
+  <a:themeElements>
+    <a:clrScheme name="Office">
+      <a:dk1>
+        <a:sysClr val="windowText" lastClr="000000"/>
+      </a:dk1>
+      <a:lt1>
+        <a:sysClr val="window" lastClr="FFFFFF"/>
+      </a:lt1>
+      <a:dk2>
+        <a:srgbClr val="1F497D"/>
+      </a:dk2>
+      <a:lt2>
+        <a:srgbClr val="EEECE1"/>
+      </a:lt2>
+      <a:accent1>
+        <a:srgbClr val="4F81BD"/>
+      </a:accent1>
+      <a:accent2>
+        <a:srgbClr val="C0504D"/>
+      </a:accent2>
+      <a:accent3>
+        <a:srgbClr val="9BBB59"/>
+      </a:accent3>
+      <a:accent4>
+        <a:srgbClr val="8064A2"/>
+      </a:accent4>
+      <a:accent5>
+        <a:srgbClr val="4BACC6"/>
+      </a:accent5>
+      <a:accent6>
+        <a:srgbClr val="F79646"/>
+      </a:accent6>
+      <a:hlink>
+        <a:srgbClr val="0000FF"/>
+      </a:hlink>
+      <a:folHlink>
+        <a:srgbClr val="800080"/>
+      </a:folHlink>
+    </a:clrScheme>
+    <a:fontScheme name="Office">
+      <a:majorFont>
+        <a:latin typeface="Calibri"/>
+        <a:ea typeface=""/>
+        <a:cs typeface=""/>
+        <a:font script="Jpan" typeface="ＭＳ Ｐゴシック"/>
+        <a:font script="Hang" typeface="맑은 고딕"/>
+        <a:font script="Hans" typeface="宋体"/>
+        <a:font script="Hant" typeface="新細明體"/>
+        <a:font script="Arab" typeface="Times New Roman"/>
+        <a:font script="Hebr" typeface="Times New Roman"/>
+        <a:font script="Thai" typeface="Angsana New"/>
+        <a:font script="Ethi" typeface="Nyala"/>
+        <a:font script="Beng" typeface="Vrinda"/>
+        <a:font script="Gujr" typeface="Shruti"/>
+        <a:font script="Khmr" typeface="MoolBoran"/>
+        <a:font script="Knda" typeface="Tunga"/>
+        <a:font script="Guru" typeface="Raavi"/>
+        <a:font script="Cans" typeface="Euphemia"/>
+        <a:font script="Cher" typeface="Plantagenet Cherokee"/>
+        <a:font script="Yiii" typeface="Microsoft Yi Baiti"/>
+        <a:font script="Tibt" typeface="Microsoft Himalaya"/>
+        <a:font script="Thaa" typeface="MV Boli"/>
+        <a:font script="Deva" typeface="Mangal"/>
+        <a:font script="Telu" typeface="Gautami"/>
+        <a:font script="Taml" typeface="Latha"/>
+        <a:font script="Syrc" typeface="Estrangelo Edessa"/>
+        <a:font script="Orya" typeface="Kalinga"/>
+        <a:font script="Mlym" typeface="Kartika"/>
+        <a:font script="Laoo" typeface="DokChampa"/>
+        <a:font script="Sinh" typeface="Iskoola Pota"/>
+        <a:font script="Mong" typeface="Mongolian Baiti"/>
+        <a:font script="Viet" typeface="Times New Roman"/>
+        <a:font script="Uigh" typeface="Microsoft Uighur"/>
+      </a:majorFont>
+      <a:minorFont>
+        <a:latin typeface="Calibri"/>
+        <a:ea typeface=""/>
+        <a:cs typeface=""/>
+        <a:font script="Jpan" typeface="ＭＳ Ｐゴシック"/>
+        <a:font script="Hang" typeface="맑은 고딕"/>
+        <a:font script="Hans" typeface="宋体"/>
+        <a:font script="Hant" typeface="新細明體"/>
+        <a:font script="Arab" typeface="Arial"/>
+        <a:font script="Hebr" typeface="Arial"/>
+        <a:font script="Thai" typeface="Cordia New"/>
+        <a:font script="Ethi" typeface="Nyala"/>
+        <a:font script="Beng" typeface="Vrinda"/>
+        <a:font script="Gujr" typeface="Shruti"/>
+        <a:font script="Khmr" typeface="DaunPenh"/>
+        <a:font script="Knda" typeface="Tunga"/>
+        <a:font script="Guru" typeface="Raavi"/>
+        <a:font script="Cans" typeface="Euphemia"/>
+        <a:font script="Cher" typeface="Plantagenet Cherokee"/>
+        <a:font script="Yiii" typeface="Microsoft Yi Baiti"/>
+        <a:font script="Tibt" typeface="Microsoft Himalaya"/>
+        <a:font script="Thaa" typeface="MV Boli"/>
+        <a:font script="Deva" typeface="Mangal"/>
+        <a:font script="Telu" typeface="Gautami"/>
+        <a:font script="Taml" typeface="Latha"/>
+        <a:font script="Syrc" typeface="Estrangelo Edessa"/>
+        <a:font script="Orya" typeface="Kalinga"/>
+        <a:font script="Mlym" typeface="Kartika"/>
+        <a:font script="Laoo" typeface="DokChampa"/>
+        <a:font script="Sinh" typeface="Iskoola Pota"/>
+        <a:font script="Mong" typeface="Mongolian Baiti"/>
+        <a:font script="Viet" typeface="Arial"/>
+        <a:font script="Uigh" typeface="Microsoft Uighur"/>
+      </a:minorFont>
+    </a:fontScheme>
+    <a:fmtScheme name="Office">
+      <a:fillStyleLst>
+        <a:solidFill>
+          <a:schemeClr val="phClr"/>
+        </a:solidFill>
+        <a:gradFill rotWithShape="1">
+          <a:gsLst>
+            <a:gs pos="0">
+              <a:schemeClr val="phClr">
+                <a:tint val="50000"/>
+                <a:satMod val="300000"/>
+              </a:schemeClr>
+            </a:gs>
+            <a:gs pos="35000">
+              <a:schemeClr val="phClr">
+                <a:tint val="37000"/>
+                <a:satMod val="300000"/>
+              </a:schemeClr>
+            </a:gs>
+            <a:gs pos="100000">
+              <a:schemeClr val="phClr">
+                <a:tint val="15000"/>
+                <a:satMod val="350000"/>
+              </a:schemeClr>
+            </a:gs>
+          </a:gsLst>
+          <a:lin ang="16200000" scaled="1"/>
+        </a:gradFill>
+        <a:gradFill rotWithShape="1">
+          <a:gsLst>
+            <a:gs pos="0">
+              <a:schemeClr val="phClr">
+                <a:shade val="51000"/>
+                <a:satMod val="130000"/>
+              </a:schemeClr>
+            </a:gs>
+            <a:gs pos="80000">
+              <a:schemeClr val="phClr">
+                <a:shade val="93000"/>
+                <a:satMod val="130000"/>
+              </a:schemeClr>
+            </a:gs>
+            <a:gs pos="100000">
+              <a:schemeClr val="phClr">
+                <a:shade val="94000"/>
+                <a:satMod val="135000"/>
+              </a:schemeClr>
+            </a:gs>
+          </a:gsLst>
+          <a:lin ang="16200000" scaled="0"/>
+        </a:gradFill>
+      </a:fillStyleLst>
+      <a:lnStyleLst>
+        <a:ln w="9525" cap="flat" cmpd="sng" algn="ctr">
+          <a:solidFill>
+            <a:schemeClr val="phClr">
+              <a:shade val="95000"/>
+              <a:satMod val="105000"/>
+            </a:schemeClr>
+          </a:solidFill>
+          <a:prstDash val="solid"/>
+        </a:ln>
+        <a:ln w="25400" cap="flat" cmpd="sng" algn="ctr">
+          <a:solidFill>
+            <a:schemeClr val="phClr"/>
+          </a:solidFill>
+          <a:prstDash val="solid"/>
+        </a:ln>
+        <a:ln w="38100" cap="flat" cmpd="sng" algn="ctr">
+          <a:solidFill>
+            <a:schemeClr val="phClr"/>
+          </a:solidFill>
+          <a:prstDash val="solid"/>
+        </a:ln>
+      </a:lnStyleLst>
+      <a:effectStyleLst>
+        <a:effectStyle>
+          <a:effectLst>
+            <a:outerShdw blurRad="40000" dist="20000" dir="5400000" rotWithShape="0">
+              <a:srgbClr val="000000">
+                <a:alpha val="38000"/>
+              </a:srgbClr>
+            </a:outerShdw>
+          </a:effectLst>
+        </a:effectStyle>
+        <a:effectStyle>
+          <a:effectLst>
+            <a:outerShdw blurRad="40000" dist="23000" dir="5400000" rotWithShape="0">
+              <a:srgbClr val="000000">
+                <a:alpha val="35000"/>
+              </a:srgbClr>
+            </a:outerShdw>
+          </a:effectLst>
+        </a:effectStyle>
+        <a:effectStyle>
+          <a:effectLst>
+            <a:outerShdw blurRad="40000" dist="23000" dir="5400000" rotWithShape="0">
+              <a:srgbClr val="000000">
+                <a:alpha val="35000"/>
+              </a:srgbClr>
+            </a:outerShdw>
+          </a:effectLst>
+          <a:scene3d>
+            <a:camera prst="orthographicFront">
+              <a:rot lat="0" lon="0" rev="0"/>
+            </a:camera>
+            <a:lightRig rig="threePt" dir="t">
+              <a:rot lat="0" lon="0" rev="1200000"/>
+            </a:lightRig>
+          </a:scene3d>
+          <a:sp3d>
+            <a:bevelT w="63500" h="25400"/>
+          </a:sp3d>
+        </a:effectStyle>
+      </a:effectStyleLst>
+      <a:bgFillStyleLst>
+        <a:solidFill>
+          <a:schemeClr val="phClr"/>
+        </a:solidFill>
+        <a:gradFill rotWithShape="1">
+          <a:gsLst>
+            <a:gs pos="0">
+              <a:schemeClr val="phClr">
+                <a:tint val="40000"/>
+                <a:satMod val="350000"/>
+              </a:schemeClr>
+            </a:gs>
+            <a:gs pos="40000">
+              <a:schemeClr val="phClr">
+                <a:tint val="45000"/>
+                <a:shade val="99000"/>
+                <a:satMod val="350000"/>
+              </a:schemeClr>
+            </a:gs>
+            <a:gs pos="100000">
+              <a:schemeClr val="phClr">
+                <a:shade val="20000"/>
+                <a:satMod val="255000"/>
+              </a:schemeClr>
+            </a:gs>
+          </a:gsLst>
+          <a:path path="circle">
+            <a:fillToRect l="50000" t="-80000" r="50000" b="180000"/>
+          </a:path>
+        </a:gradFill>
+        <a:gradFill rotWithShape="1">
+          <a:gsLst>
+            <a:gs pos="0">
+              <a:schemeClr val="phClr">
+                <a:tint val="80000"/>
+                <a:satMod val="300000"/>
+              </a:schemeClr>
+            </a:gs>
+            <a:gs pos="100000">
+              <a:schemeClr val="phClr">
+                <a:shade val="30000"/>
+                <a:satMod val="200000"/>
+              </a:schemeClr>
+            </a:gs>
+          </a:gsLst>
+          <a:path path="circle">
+            <a:fillToRect l="50000" t="50000" r="50000" b="50000"/>
+          </a:path>
+        </a:gradFill>
+      </a:bgFillStyleLst>
+    </a:fmtScheme>
+  </a:themeElements>
+  <a:objectDefaults/>
+  <a:extraClrSchemeLst/>
+</a:theme>
 </file>